--- a/2016 DOAG K+A - Robert Marz - CSV mit reinem SQL und der Magie von JSON_TABLE einlesen.pptx
+++ b/2016 DOAG K+A - Robert Marz - CSV mit reinem SQL und der Magie von JSON_TABLE einlesen.pptx
@@ -5,7 +5,7 @@
     <p:sldMasterId id="2147483791" r:id="rId1"/>
   </p:sldMasterIdLst>
   <p:notesMasterIdLst>
-    <p:notesMasterId r:id="rId28"/>
+    <p:notesMasterId r:id="rId29"/>
   </p:notesMasterIdLst>
   <p:sldIdLst>
     <p:sldId id="305" r:id="rId2"/>
@@ -32,8 +32,9 @@
     <p:sldId id="348" r:id="rId23"/>
     <p:sldId id="344" r:id="rId24"/>
     <p:sldId id="345" r:id="rId25"/>
-    <p:sldId id="346" r:id="rId26"/>
-    <p:sldId id="325" r:id="rId27"/>
+    <p:sldId id="349" r:id="rId26"/>
+    <p:sldId id="346" r:id="rId27"/>
+    <p:sldId id="325" r:id="rId28"/>
   </p:sldIdLst>
   <p:sldSz cx="12192000" cy="6858000"/>
   <p:notesSz cx="6858000" cy="9144000"/>
@@ -903,6 +904,7 @@
           </a:p>
         </c:txPr>
         <c:crossAx val="388394144"/>
+        <c:crosses val="autoZero"/>
       </c:serAx>
       <c:spPr>
         <a:noFill/>
@@ -5265,6 +5267,753 @@
 </file>
 
 <file path=ppt/diagrams/colors14.xml><?xml version="1.0" encoding="utf-8"?>
+<dgm:colorsDef xmlns:dgm="http://schemas.openxmlformats.org/drawingml/2006/diagram" xmlns:a="http://schemas.openxmlformats.org/drawingml/2006/main" uniqueId="urn:microsoft.com/office/officeart/2005/8/colors/accent1_2">
+  <dgm:title val=""/>
+  <dgm:desc val=""/>
+  <dgm:catLst>
+    <dgm:cat type="accent1" pri="11200"/>
+  </dgm:catLst>
+  <dgm:styleLbl name="node0">
+    <dgm:fillClrLst meth="repeat">
+      <a:schemeClr val="accent1"/>
+    </dgm:fillClrLst>
+    <dgm:linClrLst meth="repeat">
+      <a:schemeClr val="lt1"/>
+    </dgm:linClrLst>
+    <dgm:effectClrLst/>
+    <dgm:txLinClrLst/>
+    <dgm:txFillClrLst/>
+    <dgm:txEffectClrLst/>
+  </dgm:styleLbl>
+  <dgm:styleLbl name="alignNode1">
+    <dgm:fillClrLst meth="repeat">
+      <a:schemeClr val="accent1"/>
+    </dgm:fillClrLst>
+    <dgm:linClrLst meth="repeat">
+      <a:schemeClr val="accent1"/>
+    </dgm:linClrLst>
+    <dgm:effectClrLst/>
+    <dgm:txLinClrLst/>
+    <dgm:txFillClrLst/>
+    <dgm:txEffectClrLst/>
+  </dgm:styleLbl>
+  <dgm:styleLbl name="node1">
+    <dgm:fillClrLst meth="repeat">
+      <a:schemeClr val="accent1"/>
+    </dgm:fillClrLst>
+    <dgm:linClrLst meth="repeat">
+      <a:schemeClr val="lt1"/>
+    </dgm:linClrLst>
+    <dgm:effectClrLst/>
+    <dgm:txLinClrLst/>
+    <dgm:txFillClrLst/>
+    <dgm:txEffectClrLst/>
+  </dgm:styleLbl>
+  <dgm:styleLbl name="lnNode1">
+    <dgm:fillClrLst meth="repeat">
+      <a:schemeClr val="accent1"/>
+    </dgm:fillClrLst>
+    <dgm:linClrLst meth="repeat">
+      <a:schemeClr val="lt1"/>
+    </dgm:linClrLst>
+    <dgm:effectClrLst/>
+    <dgm:txLinClrLst/>
+    <dgm:txFillClrLst/>
+    <dgm:txEffectClrLst/>
+  </dgm:styleLbl>
+  <dgm:styleLbl name="vennNode1">
+    <dgm:fillClrLst meth="repeat">
+      <a:schemeClr val="accent1">
+        <a:alpha val="50000"/>
+      </a:schemeClr>
+    </dgm:fillClrLst>
+    <dgm:linClrLst meth="repeat">
+      <a:schemeClr val="lt1"/>
+    </dgm:linClrLst>
+    <dgm:effectClrLst/>
+    <dgm:txLinClrLst/>
+    <dgm:txFillClrLst/>
+    <dgm:txEffectClrLst/>
+  </dgm:styleLbl>
+  <dgm:styleLbl name="node2">
+    <dgm:fillClrLst meth="repeat">
+      <a:schemeClr val="accent1"/>
+    </dgm:fillClrLst>
+    <dgm:linClrLst meth="repeat">
+      <a:schemeClr val="lt1"/>
+    </dgm:linClrLst>
+    <dgm:effectClrLst/>
+    <dgm:txLinClrLst/>
+    <dgm:txFillClrLst/>
+    <dgm:txEffectClrLst/>
+  </dgm:styleLbl>
+  <dgm:styleLbl name="node3">
+    <dgm:fillClrLst meth="repeat">
+      <a:schemeClr val="accent1"/>
+    </dgm:fillClrLst>
+    <dgm:linClrLst meth="repeat">
+      <a:schemeClr val="lt1"/>
+    </dgm:linClrLst>
+    <dgm:effectClrLst/>
+    <dgm:txLinClrLst/>
+    <dgm:txFillClrLst/>
+    <dgm:txEffectClrLst/>
+  </dgm:styleLbl>
+  <dgm:styleLbl name="node4">
+    <dgm:fillClrLst meth="repeat">
+      <a:schemeClr val="accent1"/>
+    </dgm:fillClrLst>
+    <dgm:linClrLst meth="repeat">
+      <a:schemeClr val="lt1"/>
+    </dgm:linClrLst>
+    <dgm:effectClrLst/>
+    <dgm:txLinClrLst/>
+    <dgm:txFillClrLst/>
+    <dgm:txEffectClrLst/>
+  </dgm:styleLbl>
+  <dgm:styleLbl name="fgImgPlace1">
+    <dgm:fillClrLst meth="repeat">
+      <a:schemeClr val="accent1">
+        <a:tint val="50000"/>
+      </a:schemeClr>
+    </dgm:fillClrLst>
+    <dgm:linClrLst meth="repeat">
+      <a:schemeClr val="lt1"/>
+    </dgm:linClrLst>
+    <dgm:effectClrLst/>
+    <dgm:txLinClrLst/>
+    <dgm:txFillClrLst meth="repeat">
+      <a:schemeClr val="lt1"/>
+    </dgm:txFillClrLst>
+    <dgm:txEffectClrLst/>
+  </dgm:styleLbl>
+  <dgm:styleLbl name="alignImgPlace1">
+    <dgm:fillClrLst meth="repeat">
+      <a:schemeClr val="accent1">
+        <a:tint val="50000"/>
+      </a:schemeClr>
+    </dgm:fillClrLst>
+    <dgm:linClrLst meth="repeat">
+      <a:schemeClr val="lt1"/>
+    </dgm:linClrLst>
+    <dgm:effectClrLst/>
+    <dgm:txLinClrLst/>
+    <dgm:txFillClrLst meth="repeat">
+      <a:schemeClr val="lt1"/>
+    </dgm:txFillClrLst>
+    <dgm:txEffectClrLst/>
+  </dgm:styleLbl>
+  <dgm:styleLbl name="bgImgPlace1">
+    <dgm:fillClrLst meth="repeat">
+      <a:schemeClr val="accent1">
+        <a:tint val="50000"/>
+      </a:schemeClr>
+    </dgm:fillClrLst>
+    <dgm:linClrLst meth="repeat">
+      <a:schemeClr val="lt1"/>
+    </dgm:linClrLst>
+    <dgm:effectClrLst/>
+    <dgm:txLinClrLst/>
+    <dgm:txFillClrLst meth="repeat">
+      <a:schemeClr val="lt1"/>
+    </dgm:txFillClrLst>
+    <dgm:txEffectClrLst/>
+  </dgm:styleLbl>
+  <dgm:styleLbl name="sibTrans2D1">
+    <dgm:fillClrLst meth="repeat">
+      <a:schemeClr val="accent1">
+        <a:tint val="60000"/>
+      </a:schemeClr>
+    </dgm:fillClrLst>
+    <dgm:linClrLst meth="repeat">
+      <a:schemeClr val="accent1">
+        <a:tint val="60000"/>
+      </a:schemeClr>
+    </dgm:linClrLst>
+    <dgm:effectClrLst/>
+    <dgm:txLinClrLst/>
+    <dgm:txFillClrLst/>
+    <dgm:txEffectClrLst/>
+  </dgm:styleLbl>
+  <dgm:styleLbl name="fgSibTrans2D1">
+    <dgm:fillClrLst meth="repeat">
+      <a:schemeClr val="accent1">
+        <a:tint val="60000"/>
+      </a:schemeClr>
+    </dgm:fillClrLst>
+    <dgm:linClrLst meth="repeat">
+      <a:schemeClr val="accent1">
+        <a:tint val="60000"/>
+      </a:schemeClr>
+    </dgm:linClrLst>
+    <dgm:effectClrLst/>
+    <dgm:txLinClrLst/>
+    <dgm:txFillClrLst/>
+    <dgm:txEffectClrLst/>
+  </dgm:styleLbl>
+  <dgm:styleLbl name="bgSibTrans2D1">
+    <dgm:fillClrLst meth="repeat">
+      <a:schemeClr val="accent1">
+        <a:tint val="60000"/>
+      </a:schemeClr>
+    </dgm:fillClrLst>
+    <dgm:linClrLst meth="repeat">
+      <a:schemeClr val="accent1">
+        <a:tint val="60000"/>
+      </a:schemeClr>
+    </dgm:linClrLst>
+    <dgm:effectClrLst/>
+    <dgm:txLinClrLst/>
+    <dgm:txFillClrLst/>
+    <dgm:txEffectClrLst/>
+  </dgm:styleLbl>
+  <dgm:styleLbl name="sibTrans1D1">
+    <dgm:fillClrLst meth="repeat">
+      <a:schemeClr val="accent1"/>
+    </dgm:fillClrLst>
+    <dgm:linClrLst meth="repeat">
+      <a:schemeClr val="accent1"/>
+    </dgm:linClrLst>
+    <dgm:effectClrLst/>
+    <dgm:txLinClrLst/>
+    <dgm:txFillClrLst meth="repeat">
+      <a:schemeClr val="tx1"/>
+    </dgm:txFillClrLst>
+    <dgm:txEffectClrLst/>
+  </dgm:styleLbl>
+  <dgm:styleLbl name="callout">
+    <dgm:fillClrLst meth="repeat">
+      <a:schemeClr val="accent1"/>
+    </dgm:fillClrLst>
+    <dgm:linClrLst meth="repeat">
+      <a:schemeClr val="accent1">
+        <a:tint val="50000"/>
+      </a:schemeClr>
+    </dgm:linClrLst>
+    <dgm:effectClrLst/>
+    <dgm:txLinClrLst/>
+    <dgm:txFillClrLst meth="repeat">
+      <a:schemeClr val="tx1"/>
+    </dgm:txFillClrLst>
+    <dgm:txEffectClrLst/>
+  </dgm:styleLbl>
+  <dgm:styleLbl name="asst0">
+    <dgm:fillClrLst meth="repeat">
+      <a:schemeClr val="accent1"/>
+    </dgm:fillClrLst>
+    <dgm:linClrLst meth="repeat">
+      <a:schemeClr val="lt1"/>
+    </dgm:linClrLst>
+    <dgm:effectClrLst/>
+    <dgm:txLinClrLst/>
+    <dgm:txFillClrLst/>
+    <dgm:txEffectClrLst/>
+  </dgm:styleLbl>
+  <dgm:styleLbl name="asst1">
+    <dgm:fillClrLst meth="repeat">
+      <a:schemeClr val="accent1"/>
+    </dgm:fillClrLst>
+    <dgm:linClrLst meth="repeat">
+      <a:schemeClr val="lt1"/>
+    </dgm:linClrLst>
+    <dgm:effectClrLst/>
+    <dgm:txLinClrLst/>
+    <dgm:txFillClrLst/>
+    <dgm:txEffectClrLst/>
+  </dgm:styleLbl>
+  <dgm:styleLbl name="asst2">
+    <dgm:fillClrLst meth="repeat">
+      <a:schemeClr val="accent1"/>
+    </dgm:fillClrLst>
+    <dgm:linClrLst meth="repeat">
+      <a:schemeClr val="lt1"/>
+    </dgm:linClrLst>
+    <dgm:effectClrLst/>
+    <dgm:txLinClrLst/>
+    <dgm:txFillClrLst/>
+    <dgm:txEffectClrLst/>
+  </dgm:styleLbl>
+  <dgm:styleLbl name="asst3">
+    <dgm:fillClrLst meth="repeat">
+      <a:schemeClr val="accent1"/>
+    </dgm:fillClrLst>
+    <dgm:linClrLst meth="repeat">
+      <a:schemeClr val="lt1"/>
+    </dgm:linClrLst>
+    <dgm:effectClrLst/>
+    <dgm:txLinClrLst/>
+    <dgm:txFillClrLst/>
+    <dgm:txEffectClrLst/>
+  </dgm:styleLbl>
+  <dgm:styleLbl name="asst4">
+    <dgm:fillClrLst meth="repeat">
+      <a:schemeClr val="accent1"/>
+    </dgm:fillClrLst>
+    <dgm:linClrLst meth="repeat">
+      <a:schemeClr val="lt1"/>
+    </dgm:linClrLst>
+    <dgm:effectClrLst/>
+    <dgm:txLinClrLst/>
+    <dgm:txFillClrLst/>
+    <dgm:txEffectClrLst/>
+  </dgm:styleLbl>
+  <dgm:styleLbl name="parChTrans2D1">
+    <dgm:fillClrLst meth="repeat">
+      <a:schemeClr val="accent1">
+        <a:tint val="60000"/>
+      </a:schemeClr>
+    </dgm:fillClrLst>
+    <dgm:linClrLst meth="repeat">
+      <a:schemeClr val="accent1">
+        <a:tint val="60000"/>
+      </a:schemeClr>
+    </dgm:linClrLst>
+    <dgm:effectClrLst/>
+    <dgm:txLinClrLst/>
+    <dgm:txFillClrLst meth="repeat">
+      <a:schemeClr val="lt1"/>
+    </dgm:txFillClrLst>
+    <dgm:txEffectClrLst/>
+  </dgm:styleLbl>
+  <dgm:styleLbl name="parChTrans2D2">
+    <dgm:fillClrLst meth="repeat">
+      <a:schemeClr val="accent1"/>
+    </dgm:fillClrLst>
+    <dgm:linClrLst meth="repeat">
+      <a:schemeClr val="accent1"/>
+    </dgm:linClrLst>
+    <dgm:effectClrLst/>
+    <dgm:txLinClrLst/>
+    <dgm:txFillClrLst meth="repeat">
+      <a:schemeClr val="lt1"/>
+    </dgm:txFillClrLst>
+    <dgm:txEffectClrLst/>
+  </dgm:styleLbl>
+  <dgm:styleLbl name="parChTrans2D3">
+    <dgm:fillClrLst meth="repeat">
+      <a:schemeClr val="accent1"/>
+    </dgm:fillClrLst>
+    <dgm:linClrLst meth="repeat">
+      <a:schemeClr val="accent1"/>
+    </dgm:linClrLst>
+    <dgm:effectClrLst/>
+    <dgm:txLinClrLst/>
+    <dgm:txFillClrLst meth="repeat">
+      <a:schemeClr val="lt1"/>
+    </dgm:txFillClrLst>
+    <dgm:txEffectClrLst/>
+  </dgm:styleLbl>
+  <dgm:styleLbl name="parChTrans2D4">
+    <dgm:fillClrLst meth="repeat">
+      <a:schemeClr val="accent1"/>
+    </dgm:fillClrLst>
+    <dgm:linClrLst meth="repeat">
+      <a:schemeClr val="accent1"/>
+    </dgm:linClrLst>
+    <dgm:effectClrLst/>
+    <dgm:txLinClrLst/>
+    <dgm:txFillClrLst meth="repeat">
+      <a:schemeClr val="lt1"/>
+    </dgm:txFillClrLst>
+    <dgm:txEffectClrLst/>
+  </dgm:styleLbl>
+  <dgm:styleLbl name="parChTrans1D1">
+    <dgm:fillClrLst meth="repeat">
+      <a:schemeClr val="accent1"/>
+    </dgm:fillClrLst>
+    <dgm:linClrLst meth="repeat">
+      <a:schemeClr val="accent1">
+        <a:shade val="60000"/>
+      </a:schemeClr>
+    </dgm:linClrLst>
+    <dgm:effectClrLst/>
+    <dgm:txLinClrLst/>
+    <dgm:txFillClrLst meth="repeat">
+      <a:schemeClr val="tx1"/>
+    </dgm:txFillClrLst>
+    <dgm:txEffectClrLst/>
+  </dgm:styleLbl>
+  <dgm:styleLbl name="parChTrans1D2">
+    <dgm:fillClrLst meth="repeat">
+      <a:schemeClr val="accent1"/>
+    </dgm:fillClrLst>
+    <dgm:linClrLst meth="repeat">
+      <a:schemeClr val="accent1">
+        <a:shade val="60000"/>
+      </a:schemeClr>
+    </dgm:linClrLst>
+    <dgm:effectClrLst/>
+    <dgm:txLinClrLst/>
+    <dgm:txFillClrLst meth="repeat">
+      <a:schemeClr val="tx1"/>
+    </dgm:txFillClrLst>
+    <dgm:txEffectClrLst/>
+  </dgm:styleLbl>
+  <dgm:styleLbl name="parChTrans1D3">
+    <dgm:fillClrLst meth="repeat">
+      <a:schemeClr val="accent1"/>
+    </dgm:fillClrLst>
+    <dgm:linClrLst meth="repeat">
+      <a:schemeClr val="accent1">
+        <a:shade val="80000"/>
+      </a:schemeClr>
+    </dgm:linClrLst>
+    <dgm:effectClrLst/>
+    <dgm:txLinClrLst/>
+    <dgm:txFillClrLst meth="repeat">
+      <a:schemeClr val="tx1"/>
+    </dgm:txFillClrLst>
+    <dgm:txEffectClrLst/>
+  </dgm:styleLbl>
+  <dgm:styleLbl name="parChTrans1D4">
+    <dgm:fillClrLst meth="repeat">
+      <a:schemeClr val="accent1"/>
+    </dgm:fillClrLst>
+    <dgm:linClrLst meth="repeat">
+      <a:schemeClr val="accent1">
+        <a:shade val="80000"/>
+      </a:schemeClr>
+    </dgm:linClrLst>
+    <dgm:effectClrLst/>
+    <dgm:txLinClrLst/>
+    <dgm:txFillClrLst meth="repeat">
+      <a:schemeClr val="tx1"/>
+    </dgm:txFillClrLst>
+    <dgm:txEffectClrLst/>
+  </dgm:styleLbl>
+  <dgm:styleLbl name="fgAcc1">
+    <dgm:fillClrLst meth="repeat">
+      <a:schemeClr val="lt1">
+        <a:alpha val="90000"/>
+      </a:schemeClr>
+    </dgm:fillClrLst>
+    <dgm:linClrLst meth="repeat">
+      <a:schemeClr val="accent1"/>
+    </dgm:linClrLst>
+    <dgm:effectClrLst/>
+    <dgm:txLinClrLst/>
+    <dgm:txFillClrLst meth="repeat">
+      <a:schemeClr val="dk1"/>
+    </dgm:txFillClrLst>
+    <dgm:txEffectClrLst/>
+  </dgm:styleLbl>
+  <dgm:styleLbl name="conFgAcc1">
+    <dgm:fillClrLst meth="repeat">
+      <a:schemeClr val="lt1">
+        <a:alpha val="90000"/>
+      </a:schemeClr>
+    </dgm:fillClrLst>
+    <dgm:linClrLst meth="repeat">
+      <a:schemeClr val="accent1"/>
+    </dgm:linClrLst>
+    <dgm:effectClrLst/>
+    <dgm:txLinClrLst/>
+    <dgm:txFillClrLst meth="repeat">
+      <a:schemeClr val="dk1"/>
+    </dgm:txFillClrLst>
+    <dgm:txEffectClrLst/>
+  </dgm:styleLbl>
+  <dgm:styleLbl name="alignAcc1">
+    <dgm:fillClrLst meth="repeat">
+      <a:schemeClr val="lt1">
+        <a:alpha val="90000"/>
+      </a:schemeClr>
+    </dgm:fillClrLst>
+    <dgm:linClrLst meth="repeat">
+      <a:schemeClr val="accent1"/>
+    </dgm:linClrLst>
+    <dgm:effectClrLst/>
+    <dgm:txLinClrLst/>
+    <dgm:txFillClrLst meth="repeat">
+      <a:schemeClr val="dk1"/>
+    </dgm:txFillClrLst>
+    <dgm:txEffectClrLst/>
+  </dgm:styleLbl>
+  <dgm:styleLbl name="trAlignAcc1">
+    <dgm:fillClrLst meth="repeat">
+      <a:schemeClr val="lt1">
+        <a:alpha val="40000"/>
+      </a:schemeClr>
+    </dgm:fillClrLst>
+    <dgm:linClrLst meth="repeat">
+      <a:schemeClr val="accent1"/>
+    </dgm:linClrLst>
+    <dgm:effectClrLst/>
+    <dgm:txLinClrLst/>
+    <dgm:txFillClrLst meth="repeat">
+      <a:schemeClr val="dk1"/>
+    </dgm:txFillClrLst>
+    <dgm:txEffectClrLst/>
+  </dgm:styleLbl>
+  <dgm:styleLbl name="bgAcc1">
+    <dgm:fillClrLst meth="repeat">
+      <a:schemeClr val="lt1">
+        <a:alpha val="90000"/>
+      </a:schemeClr>
+    </dgm:fillClrLst>
+    <dgm:linClrLst meth="repeat">
+      <a:schemeClr val="accent1"/>
+    </dgm:linClrLst>
+    <dgm:effectClrLst/>
+    <dgm:txLinClrLst/>
+    <dgm:txFillClrLst meth="repeat">
+      <a:schemeClr val="dk1"/>
+    </dgm:txFillClrLst>
+    <dgm:txEffectClrLst/>
+  </dgm:styleLbl>
+  <dgm:styleLbl name="solidFgAcc1">
+    <dgm:fillClrLst meth="repeat">
+      <a:schemeClr val="lt1"/>
+    </dgm:fillClrLst>
+    <dgm:linClrLst meth="repeat">
+      <a:schemeClr val="accent1"/>
+    </dgm:linClrLst>
+    <dgm:effectClrLst/>
+    <dgm:txLinClrLst/>
+    <dgm:txFillClrLst meth="repeat">
+      <a:schemeClr val="dk1"/>
+    </dgm:txFillClrLst>
+    <dgm:txEffectClrLst/>
+  </dgm:styleLbl>
+  <dgm:styleLbl name="solidAlignAcc1">
+    <dgm:fillClrLst meth="repeat">
+      <a:schemeClr val="lt1"/>
+    </dgm:fillClrLst>
+    <dgm:linClrLst meth="repeat">
+      <a:schemeClr val="accent1"/>
+    </dgm:linClrLst>
+    <dgm:effectClrLst/>
+    <dgm:txLinClrLst/>
+    <dgm:txFillClrLst meth="repeat">
+      <a:schemeClr val="dk1"/>
+    </dgm:txFillClrLst>
+    <dgm:txEffectClrLst/>
+  </dgm:styleLbl>
+  <dgm:styleLbl name="solidBgAcc1">
+    <dgm:fillClrLst meth="repeat">
+      <a:schemeClr val="lt1"/>
+    </dgm:fillClrLst>
+    <dgm:linClrLst meth="repeat">
+      <a:schemeClr val="accent1"/>
+    </dgm:linClrLst>
+    <dgm:effectClrLst/>
+    <dgm:txLinClrLst/>
+    <dgm:txFillClrLst meth="repeat">
+      <a:schemeClr val="dk1"/>
+    </dgm:txFillClrLst>
+    <dgm:txEffectClrLst/>
+  </dgm:styleLbl>
+  <dgm:styleLbl name="fgAccFollowNode1">
+    <dgm:fillClrLst meth="repeat">
+      <a:schemeClr val="accent1">
+        <a:alpha val="90000"/>
+        <a:tint val="40000"/>
+      </a:schemeClr>
+    </dgm:fillClrLst>
+    <dgm:linClrLst meth="repeat">
+      <a:schemeClr val="accent1">
+        <a:alpha val="90000"/>
+        <a:tint val="40000"/>
+      </a:schemeClr>
+    </dgm:linClrLst>
+    <dgm:effectClrLst/>
+    <dgm:txLinClrLst/>
+    <dgm:txFillClrLst meth="repeat">
+      <a:schemeClr val="dk1"/>
+    </dgm:txFillClrLst>
+    <dgm:txEffectClrLst/>
+  </dgm:styleLbl>
+  <dgm:styleLbl name="alignAccFollowNode1">
+    <dgm:fillClrLst meth="repeat">
+      <a:schemeClr val="accent1">
+        <a:alpha val="90000"/>
+        <a:tint val="40000"/>
+      </a:schemeClr>
+    </dgm:fillClrLst>
+    <dgm:linClrLst meth="repeat">
+      <a:schemeClr val="accent1">
+        <a:alpha val="90000"/>
+        <a:tint val="40000"/>
+      </a:schemeClr>
+    </dgm:linClrLst>
+    <dgm:effectClrLst/>
+    <dgm:txLinClrLst/>
+    <dgm:txFillClrLst meth="repeat">
+      <a:schemeClr val="dk1"/>
+    </dgm:txFillClrLst>
+    <dgm:txEffectClrLst/>
+  </dgm:styleLbl>
+  <dgm:styleLbl name="bgAccFollowNode1">
+    <dgm:fillClrLst meth="repeat">
+      <a:schemeClr val="accent1">
+        <a:alpha val="90000"/>
+        <a:tint val="40000"/>
+      </a:schemeClr>
+    </dgm:fillClrLst>
+    <dgm:linClrLst meth="repeat">
+      <a:schemeClr val="accent1">
+        <a:alpha val="90000"/>
+        <a:tint val="40000"/>
+      </a:schemeClr>
+    </dgm:linClrLst>
+    <dgm:effectClrLst/>
+    <dgm:txLinClrLst/>
+    <dgm:txFillClrLst meth="repeat">
+      <a:schemeClr val="dk1"/>
+    </dgm:txFillClrLst>
+    <dgm:txEffectClrLst/>
+  </dgm:styleLbl>
+  <dgm:styleLbl name="fgAcc0">
+    <dgm:fillClrLst meth="repeat">
+      <a:schemeClr val="lt1">
+        <a:alpha val="90000"/>
+      </a:schemeClr>
+    </dgm:fillClrLst>
+    <dgm:linClrLst meth="repeat">
+      <a:schemeClr val="accent1"/>
+    </dgm:linClrLst>
+    <dgm:effectClrLst/>
+    <dgm:txLinClrLst/>
+    <dgm:txFillClrLst meth="repeat">
+      <a:schemeClr val="dk1"/>
+    </dgm:txFillClrLst>
+    <dgm:txEffectClrLst/>
+  </dgm:styleLbl>
+  <dgm:styleLbl name="fgAcc2">
+    <dgm:fillClrLst meth="repeat">
+      <a:schemeClr val="lt1">
+        <a:alpha val="90000"/>
+      </a:schemeClr>
+    </dgm:fillClrLst>
+    <dgm:linClrLst meth="repeat">
+      <a:schemeClr val="accent1"/>
+    </dgm:linClrLst>
+    <dgm:effectClrLst/>
+    <dgm:txLinClrLst/>
+    <dgm:txFillClrLst meth="repeat">
+      <a:schemeClr val="dk1"/>
+    </dgm:txFillClrLst>
+    <dgm:txEffectClrLst/>
+  </dgm:styleLbl>
+  <dgm:styleLbl name="fgAcc3">
+    <dgm:fillClrLst meth="repeat">
+      <a:schemeClr val="lt1">
+        <a:alpha val="90000"/>
+      </a:schemeClr>
+    </dgm:fillClrLst>
+    <dgm:linClrLst meth="repeat">
+      <a:schemeClr val="accent1"/>
+    </dgm:linClrLst>
+    <dgm:effectClrLst/>
+    <dgm:txLinClrLst/>
+    <dgm:txFillClrLst meth="repeat">
+      <a:schemeClr val="dk1"/>
+    </dgm:txFillClrLst>
+    <dgm:txEffectClrLst/>
+  </dgm:styleLbl>
+  <dgm:styleLbl name="fgAcc4">
+    <dgm:fillClrLst meth="repeat">
+      <a:schemeClr val="lt1">
+        <a:alpha val="90000"/>
+      </a:schemeClr>
+    </dgm:fillClrLst>
+    <dgm:linClrLst meth="repeat">
+      <a:schemeClr val="accent1"/>
+    </dgm:linClrLst>
+    <dgm:effectClrLst/>
+    <dgm:txLinClrLst/>
+    <dgm:txFillClrLst meth="repeat">
+      <a:schemeClr val="dk1"/>
+    </dgm:txFillClrLst>
+    <dgm:txEffectClrLst/>
+  </dgm:styleLbl>
+  <dgm:styleLbl name="bgShp">
+    <dgm:fillClrLst meth="repeat">
+      <a:schemeClr val="accent1">
+        <a:tint val="40000"/>
+      </a:schemeClr>
+    </dgm:fillClrLst>
+    <dgm:linClrLst meth="repeat">
+      <a:schemeClr val="accent1"/>
+    </dgm:linClrLst>
+    <dgm:effectClrLst/>
+    <dgm:txLinClrLst/>
+    <dgm:txFillClrLst meth="repeat">
+      <a:schemeClr val="dk1"/>
+    </dgm:txFillClrLst>
+    <dgm:txEffectClrLst/>
+  </dgm:styleLbl>
+  <dgm:styleLbl name="dkBgShp">
+    <dgm:fillClrLst meth="repeat">
+      <a:schemeClr val="accent1">
+        <a:shade val="80000"/>
+      </a:schemeClr>
+    </dgm:fillClrLst>
+    <dgm:linClrLst meth="repeat">
+      <a:schemeClr val="accent1"/>
+    </dgm:linClrLst>
+    <dgm:effectClrLst/>
+    <dgm:txLinClrLst/>
+    <dgm:txFillClrLst meth="repeat">
+      <a:schemeClr val="lt1"/>
+    </dgm:txFillClrLst>
+    <dgm:txEffectClrLst/>
+  </dgm:styleLbl>
+  <dgm:styleLbl name="trBgShp">
+    <dgm:fillClrLst meth="repeat">
+      <a:schemeClr val="accent1">
+        <a:tint val="50000"/>
+        <a:alpha val="40000"/>
+      </a:schemeClr>
+    </dgm:fillClrLst>
+    <dgm:linClrLst meth="repeat">
+      <a:schemeClr val="accent1"/>
+    </dgm:linClrLst>
+    <dgm:effectClrLst/>
+    <dgm:txLinClrLst/>
+    <dgm:txFillClrLst meth="repeat">
+      <a:schemeClr val="lt1"/>
+    </dgm:txFillClrLst>
+    <dgm:txEffectClrLst/>
+  </dgm:styleLbl>
+  <dgm:styleLbl name="fgShp">
+    <dgm:fillClrLst meth="repeat">
+      <a:schemeClr val="accent1">
+        <a:tint val="60000"/>
+      </a:schemeClr>
+    </dgm:fillClrLst>
+    <dgm:linClrLst meth="repeat">
+      <a:schemeClr val="lt1"/>
+    </dgm:linClrLst>
+    <dgm:effectClrLst/>
+    <dgm:txLinClrLst/>
+    <dgm:txFillClrLst meth="repeat">
+      <a:schemeClr val="dk1"/>
+    </dgm:txFillClrLst>
+    <dgm:txEffectClrLst/>
+  </dgm:styleLbl>
+  <dgm:styleLbl name="revTx">
+    <dgm:fillClrLst meth="repeat">
+      <a:schemeClr val="lt1">
+        <a:alpha val="0"/>
+      </a:schemeClr>
+    </dgm:fillClrLst>
+    <dgm:linClrLst meth="repeat">
+      <a:schemeClr val="dk1">
+        <a:alpha val="0"/>
+      </a:schemeClr>
+    </dgm:linClrLst>
+    <dgm:effectClrLst/>
+    <dgm:txLinClrLst/>
+    <dgm:txFillClrLst meth="repeat">
+      <a:schemeClr val="tx1"/>
+    </dgm:txFillClrLst>
+    <dgm:txEffectClrLst/>
+  </dgm:styleLbl>
+</dgm:colorsDef>
+</file>
+
+<file path=ppt/diagrams/colors15.xml><?xml version="1.0" encoding="utf-8"?>
 <dgm:colorsDef xmlns:dgm="http://schemas.openxmlformats.org/drawingml/2006/diagram" xmlns:a="http://schemas.openxmlformats.org/drawingml/2006/main" uniqueId="urn:microsoft.com/office/officeart/2005/8/colors/accent1_2">
   <dgm:title val=""/>
   <dgm:desc val=""/>
@@ -12919,7 +13668,6 @@
             <a:rPr lang="de-DE"/>
             <a:t>RegExp in kurz und schnell geht nicht.</a:t>
           </a:r>
-          <a:endParaRPr lang="de-DE"/>
         </a:p>
       </dgm:t>
     </dgm:pt>
@@ -12956,7 +13704,6 @@
             <a:rPr lang="de-DE"/>
             <a:t>Google: RegExp Tutorial|Einführung|Tipps</a:t>
           </a:r>
-          <a:endParaRPr lang="de-DE"/>
         </a:p>
       </dgm:t>
     </dgm:pt>
@@ -13056,13 +13803,13 @@
     </dgm:pt>
   </dgm:ptLst>
   <dgm:cxnLst>
+    <dgm:cxn modelId="{E10BB288-468F-4ED5-A8FE-6EC3AE7559C1}" type="presOf" srcId="{09E84A2C-A7AC-420B-82D5-621ABB53F6C6}" destId="{B821F08C-110F-48C4-BFB0-C7C3196E9A4F}" srcOrd="0" destOrd="0" presId="urn:microsoft.com/office/officeart/2005/8/layout/list1"/>
+    <dgm:cxn modelId="{243328D6-B8F9-4C99-9B07-579B542AE0A0}" type="presOf" srcId="{3022CF5B-2214-41C5-907C-540C51967461}" destId="{F3089B67-05A8-488E-8453-F7E9282E3D34}" srcOrd="0" destOrd="0" presId="urn:microsoft.com/office/officeart/2005/8/layout/list1"/>
+    <dgm:cxn modelId="{891740A3-5200-4E20-B888-9ABD52DC475E}" type="presOf" srcId="{09E84A2C-A7AC-420B-82D5-621ABB53F6C6}" destId="{EBAD9A60-0C67-41FD-983A-0C9C6F646567}" srcOrd="1" destOrd="0" presId="urn:microsoft.com/office/officeart/2005/8/layout/list1"/>
+    <dgm:cxn modelId="{28AC00B2-AF4E-4B3E-9B5C-256798D54ACA}" type="presOf" srcId="{3022CF5B-2214-41C5-907C-540C51967461}" destId="{2A91483B-789A-4C15-9478-F162204B2CC4}" srcOrd="1" destOrd="0" presId="urn:microsoft.com/office/officeart/2005/8/layout/list1"/>
+    <dgm:cxn modelId="{1654DCE0-26F7-4D71-AC5E-5F8C9AB383C6}" srcId="{0F44F84A-2BC9-4623-8312-BE13DF3B0BEB}" destId="{3022CF5B-2214-41C5-907C-540C51967461}" srcOrd="0" destOrd="0" parTransId="{6AD3B150-DCC7-4291-BDA9-DF37316D597A}" sibTransId="{FC395459-5E8D-45B9-8211-09733CD55635}"/>
+    <dgm:cxn modelId="{FAE6ACD3-91BE-429F-8466-80541AB0F488}" type="presOf" srcId="{0F44F84A-2BC9-4623-8312-BE13DF3B0BEB}" destId="{48FA871E-2ADC-4D8A-A92B-E4967696C11F}" srcOrd="0" destOrd="0" presId="urn:microsoft.com/office/officeart/2005/8/layout/list1"/>
     <dgm:cxn modelId="{45F6577E-8E71-4B07-8AA0-41D56801E39F}" srcId="{0F44F84A-2BC9-4623-8312-BE13DF3B0BEB}" destId="{09E84A2C-A7AC-420B-82D5-621ABB53F6C6}" srcOrd="1" destOrd="0" parTransId="{3245EBF7-9905-4EFC-BAC9-CFA06C3D416F}" sibTransId="{70C1053D-7416-481E-9653-47935FC47BA2}"/>
-    <dgm:cxn modelId="{28AC00B2-AF4E-4B3E-9B5C-256798D54ACA}" type="presOf" srcId="{3022CF5B-2214-41C5-907C-540C51967461}" destId="{2A91483B-789A-4C15-9478-F162204B2CC4}" srcOrd="1" destOrd="0" presId="urn:microsoft.com/office/officeart/2005/8/layout/list1"/>
-    <dgm:cxn modelId="{243328D6-B8F9-4C99-9B07-579B542AE0A0}" type="presOf" srcId="{3022CF5B-2214-41C5-907C-540C51967461}" destId="{F3089B67-05A8-488E-8453-F7E9282E3D34}" srcOrd="0" destOrd="0" presId="urn:microsoft.com/office/officeart/2005/8/layout/list1"/>
-    <dgm:cxn modelId="{FAE6ACD3-91BE-429F-8466-80541AB0F488}" type="presOf" srcId="{0F44F84A-2BC9-4623-8312-BE13DF3B0BEB}" destId="{48FA871E-2ADC-4D8A-A92B-E4967696C11F}" srcOrd="0" destOrd="0" presId="urn:microsoft.com/office/officeart/2005/8/layout/list1"/>
-    <dgm:cxn modelId="{1654DCE0-26F7-4D71-AC5E-5F8C9AB383C6}" srcId="{0F44F84A-2BC9-4623-8312-BE13DF3B0BEB}" destId="{3022CF5B-2214-41C5-907C-540C51967461}" srcOrd="0" destOrd="0" parTransId="{6AD3B150-DCC7-4291-BDA9-DF37316D597A}" sibTransId="{FC395459-5E8D-45B9-8211-09733CD55635}"/>
-    <dgm:cxn modelId="{E10BB288-468F-4ED5-A8FE-6EC3AE7559C1}" type="presOf" srcId="{09E84A2C-A7AC-420B-82D5-621ABB53F6C6}" destId="{B821F08C-110F-48C4-BFB0-C7C3196E9A4F}" srcOrd="0" destOrd="0" presId="urn:microsoft.com/office/officeart/2005/8/layout/list1"/>
-    <dgm:cxn modelId="{891740A3-5200-4E20-B888-9ABD52DC475E}" type="presOf" srcId="{09E84A2C-A7AC-420B-82D5-621ABB53F6C6}" destId="{EBAD9A60-0C67-41FD-983A-0C9C6F646567}" srcOrd="1" destOrd="0" presId="urn:microsoft.com/office/officeart/2005/8/layout/list1"/>
     <dgm:cxn modelId="{DD8970C0-EB09-48C3-A0E3-94C634794292}" type="presParOf" srcId="{48FA871E-2ADC-4D8A-A92B-E4967696C11F}" destId="{1B4DE1AB-DBF6-49B2-B32B-16D0148AC3C8}" srcOrd="0" destOrd="0" presId="urn:microsoft.com/office/officeart/2005/8/layout/list1"/>
     <dgm:cxn modelId="{D59FB85E-8EC5-493D-882A-712DDE704E9D}" type="presParOf" srcId="{1B4DE1AB-DBF6-49B2-B32B-16D0148AC3C8}" destId="{F3089B67-05A8-488E-8453-F7E9282E3D34}" srcOrd="0" destOrd="0" presId="urn:microsoft.com/office/officeart/2005/8/layout/list1"/>
     <dgm:cxn modelId="{69C7FD64-5BA7-4212-B69F-44EB9117961B}" type="presParOf" srcId="{1B4DE1AB-DBF6-49B2-B32B-16D0148AC3C8}" destId="{2A91483B-789A-4C15-9478-F162204B2CC4}" srcOrd="1" destOrd="0" presId="urn:microsoft.com/office/officeart/2005/8/layout/list1"/>
@@ -13150,7 +13897,6 @@
             <a:rPr lang="de-DE"/>
             <a:t>Scripts in JavaScript möglich</a:t>
           </a:r>
-          <a:endParaRPr lang="de-DE"/>
         </a:p>
       </dgm:t>
     </dgm:pt>
@@ -13223,7 +13969,6 @@
             <a:rPr lang="de-DE"/>
             <a:t>Beispiel</a:t>
           </a:r>
-          <a:endParaRPr lang="de-DE"/>
         </a:p>
       </dgm:t>
     </dgm:pt>
@@ -13462,8 +14207,219 @@
 <file path=ppt/diagrams/data14.xml><?xml version="1.0" encoding="utf-8"?>
 <dgm:dataModel xmlns:dgm="http://schemas.openxmlformats.org/drawingml/2006/diagram" xmlns:a="http://schemas.openxmlformats.org/drawingml/2006/main">
   <dgm:ptLst>
+    <dgm:pt modelId="{271CDEF8-8696-4B6B-BAB0-4B9654A0A228}" type="doc">
+      <dgm:prSet loTypeId="urn:microsoft.com/office/officeart/2005/8/layout/vList2" loCatId="list" qsTypeId="urn:microsoft.com/office/officeart/2005/8/quickstyle/simple1" qsCatId="simple" csTypeId="urn:microsoft.com/office/officeart/2005/8/colors/accent1_2" csCatId="accent1" phldr="1"/>
+      <dgm:spPr/>
+      <dgm:t>
+        <a:bodyPr/>
+        <a:lstStyle/>
+        <a:p>
+          <a:endParaRPr lang="de-DE"/>
+        </a:p>
+      </dgm:t>
+    </dgm:pt>
+    <dgm:pt modelId="{F71BF25B-5E75-4E89-AD61-FA37ED5FE9A3}">
+      <dgm:prSet/>
+      <dgm:spPr/>
+      <dgm:t>
+        <a:bodyPr/>
+        <a:lstStyle/>
+        <a:p>
+          <a:r>
+            <a:rPr lang="de-DE"/>
+            <a:t>Quellen für Folien und Demos:</a:t>
+          </a:r>
+        </a:p>
+      </dgm:t>
+    </dgm:pt>
+    <dgm:pt modelId="{E3C7BEB6-DD39-4F88-B019-102D3D197E32}" type="parTrans" cxnId="{A83A14A9-1218-4896-BECA-66B5D24C4CDA}">
+      <dgm:prSet/>
+      <dgm:spPr/>
+      <dgm:t>
+        <a:bodyPr/>
+        <a:lstStyle/>
+        <a:p>
+          <a:endParaRPr lang="de-DE"/>
+        </a:p>
+      </dgm:t>
+    </dgm:pt>
+    <dgm:pt modelId="{D8F9BBAC-FE12-46D5-8CE0-B74A91C7AF77}" type="sibTrans" cxnId="{A83A14A9-1218-4896-BECA-66B5D24C4CDA}">
+      <dgm:prSet/>
+      <dgm:spPr/>
+      <dgm:t>
+        <a:bodyPr/>
+        <a:lstStyle/>
+        <a:p>
+          <a:endParaRPr lang="de-DE"/>
+        </a:p>
+      </dgm:t>
+    </dgm:pt>
+    <dgm:pt modelId="{20FA6A05-D9AB-47D4-AE7C-91EFC3D2E21F}">
+      <dgm:prSet/>
+      <dgm:spPr/>
+      <dgm:t>
+        <a:bodyPr/>
+        <a:lstStyle/>
+        <a:p>
+          <a:r>
+            <a:rPr lang="de-DE" dirty="0"/>
+            <a:t>DOAG Website / Konferenzplaner</a:t>
+          </a:r>
+        </a:p>
+      </dgm:t>
+    </dgm:pt>
+    <dgm:pt modelId="{E10F7309-BE25-4900-91D0-DCC1FBD2AF38}" type="parTrans" cxnId="{4A29FA64-65F7-47AB-B6D8-DBA646112533}">
+      <dgm:prSet/>
+      <dgm:spPr/>
+      <dgm:t>
+        <a:bodyPr/>
+        <a:lstStyle/>
+        <a:p>
+          <a:endParaRPr lang="de-DE"/>
+        </a:p>
+      </dgm:t>
+    </dgm:pt>
+    <dgm:pt modelId="{2E88E25F-C7A2-4BED-A60C-845F542C1904}" type="sibTrans" cxnId="{4A29FA64-65F7-47AB-B6D8-DBA646112533}">
+      <dgm:prSet/>
+      <dgm:spPr/>
+      <dgm:t>
+        <a:bodyPr/>
+        <a:lstStyle/>
+        <a:p>
+          <a:endParaRPr lang="de-DE"/>
+        </a:p>
+      </dgm:t>
+    </dgm:pt>
+    <dgm:pt modelId="{0CB2AEDF-1CF8-48C0-88A7-2DD9839C5FBB}">
+      <dgm:prSet/>
+      <dgm:spPr/>
+      <dgm:t>
+        <a:bodyPr/>
+        <a:lstStyle/>
+        <a:p>
+          <a:r>
+            <a:rPr lang="de-DE" dirty="0">
+              <a:hlinkClick xmlns:r="http://schemas.openxmlformats.org/officeDocument/2006/relationships" r:id="rId1"/>
+            </a:rPr>
+            <a:t>http://www.its-people.de/doag-2016</a:t>
+          </a:r>
+          <a:endParaRPr lang="de-DE" dirty="0"/>
+        </a:p>
+      </dgm:t>
+    </dgm:pt>
+    <dgm:pt modelId="{402AEC8E-C0EF-4790-BFBE-BC415EAE3518}" type="parTrans" cxnId="{64C8B1F8-A8DB-40A6-BAE6-CB06295D5186}">
+      <dgm:prSet/>
+      <dgm:spPr/>
+      <dgm:t>
+        <a:bodyPr/>
+        <a:lstStyle/>
+        <a:p>
+          <a:endParaRPr lang="de-DE"/>
+        </a:p>
+      </dgm:t>
+    </dgm:pt>
+    <dgm:pt modelId="{0D1B8CDF-6264-4EAE-8A83-6CB2A0611017}" type="sibTrans" cxnId="{64C8B1F8-A8DB-40A6-BAE6-CB06295D5186}">
+      <dgm:prSet/>
+      <dgm:spPr/>
+      <dgm:t>
+        <a:bodyPr/>
+        <a:lstStyle/>
+        <a:p>
+          <a:endParaRPr lang="de-DE"/>
+        </a:p>
+      </dgm:t>
+    </dgm:pt>
+    <dgm:pt modelId="{95FA0028-FF72-42D8-8D8C-94D7A0ED168B}">
+      <dgm:prSet/>
+      <dgm:spPr/>
+      <dgm:t>
+        <a:bodyPr/>
+        <a:lstStyle/>
+        <a:p>
+          <a:r>
+            <a:rPr lang="de-DE" dirty="0"/>
+            <a:t>https://github.com/its-people/csv-json_table</a:t>
+          </a:r>
+        </a:p>
+      </dgm:t>
+    </dgm:pt>
+    <dgm:pt modelId="{EC342B04-3097-4BD3-83A1-9E61844D6FEF}" type="parTrans" cxnId="{FD74404F-D8B1-4CA8-8C36-DD65A0B69310}">
+      <dgm:prSet/>
+      <dgm:spPr/>
+      <dgm:t>
+        <a:bodyPr/>
+        <a:lstStyle/>
+        <a:p>
+          <a:endParaRPr lang="de-DE"/>
+        </a:p>
+      </dgm:t>
+    </dgm:pt>
+    <dgm:pt modelId="{3B4C8247-67F8-4BD6-9F9F-A5A5DC104974}" type="sibTrans" cxnId="{FD74404F-D8B1-4CA8-8C36-DD65A0B69310}">
+      <dgm:prSet/>
+      <dgm:spPr/>
+      <dgm:t>
+        <a:bodyPr/>
+        <a:lstStyle/>
+        <a:p>
+          <a:endParaRPr lang="de-DE"/>
+        </a:p>
+      </dgm:t>
+    </dgm:pt>
+    <dgm:pt modelId="{46C673B1-B8E8-4034-8585-791D0873C9C0}" type="pres">
+      <dgm:prSet presAssocID="{271CDEF8-8696-4B6B-BAB0-4B9654A0A228}" presName="linear" presStyleCnt="0">
+        <dgm:presLayoutVars>
+          <dgm:animLvl val="lvl"/>
+          <dgm:resizeHandles val="exact"/>
+        </dgm:presLayoutVars>
+      </dgm:prSet>
+      <dgm:spPr/>
+    </dgm:pt>
+    <dgm:pt modelId="{8FC86A3E-5648-4A33-BDCF-4036163E468A}" type="pres">
+      <dgm:prSet presAssocID="{F71BF25B-5E75-4E89-AD61-FA37ED5FE9A3}" presName="parentText" presStyleLbl="node1" presStyleIdx="0" presStyleCnt="1">
+        <dgm:presLayoutVars>
+          <dgm:chMax val="0"/>
+          <dgm:bulletEnabled val="1"/>
+        </dgm:presLayoutVars>
+      </dgm:prSet>
+      <dgm:spPr/>
+    </dgm:pt>
+    <dgm:pt modelId="{A06620A6-8952-489D-8884-8E8C506C3216}" type="pres">
+      <dgm:prSet presAssocID="{F71BF25B-5E75-4E89-AD61-FA37ED5FE9A3}" presName="childText" presStyleLbl="revTx" presStyleIdx="0" presStyleCnt="1">
+        <dgm:presLayoutVars>
+          <dgm:bulletEnabled val="1"/>
+        </dgm:presLayoutVars>
+      </dgm:prSet>
+      <dgm:spPr/>
+    </dgm:pt>
+  </dgm:ptLst>
+  <dgm:cxnLst>
+    <dgm:cxn modelId="{FD74404F-D8B1-4CA8-8C36-DD65A0B69310}" srcId="{F71BF25B-5E75-4E89-AD61-FA37ED5FE9A3}" destId="{95FA0028-FF72-42D8-8D8C-94D7A0ED168B}" srcOrd="2" destOrd="0" parTransId="{EC342B04-3097-4BD3-83A1-9E61844D6FEF}" sibTransId="{3B4C8247-67F8-4BD6-9F9F-A5A5DC104974}"/>
+    <dgm:cxn modelId="{125AA1AD-70B3-45F2-AE76-84E2825E9AE4}" type="presOf" srcId="{95FA0028-FF72-42D8-8D8C-94D7A0ED168B}" destId="{A06620A6-8952-489D-8884-8E8C506C3216}" srcOrd="0" destOrd="2" presId="urn:microsoft.com/office/officeart/2005/8/layout/vList2"/>
+    <dgm:cxn modelId="{A83A14A9-1218-4896-BECA-66B5D24C4CDA}" srcId="{271CDEF8-8696-4B6B-BAB0-4B9654A0A228}" destId="{F71BF25B-5E75-4E89-AD61-FA37ED5FE9A3}" srcOrd="0" destOrd="0" parTransId="{E3C7BEB6-DD39-4F88-B019-102D3D197E32}" sibTransId="{D8F9BBAC-FE12-46D5-8CE0-B74A91C7AF77}"/>
+    <dgm:cxn modelId="{DE3763C8-7695-4889-B1D2-53B288565459}" type="presOf" srcId="{F71BF25B-5E75-4E89-AD61-FA37ED5FE9A3}" destId="{8FC86A3E-5648-4A33-BDCF-4036163E468A}" srcOrd="0" destOrd="0" presId="urn:microsoft.com/office/officeart/2005/8/layout/vList2"/>
+    <dgm:cxn modelId="{64C8B1F8-A8DB-40A6-BAE6-CB06295D5186}" srcId="{F71BF25B-5E75-4E89-AD61-FA37ED5FE9A3}" destId="{0CB2AEDF-1CF8-48C0-88A7-2DD9839C5FBB}" srcOrd="1" destOrd="0" parTransId="{402AEC8E-C0EF-4790-BFBE-BC415EAE3518}" sibTransId="{0D1B8CDF-6264-4EAE-8A83-6CB2A0611017}"/>
+    <dgm:cxn modelId="{47C14DF4-2618-49E0-9279-562CD6FF820C}" type="presOf" srcId="{271CDEF8-8696-4B6B-BAB0-4B9654A0A228}" destId="{46C673B1-B8E8-4034-8585-791D0873C9C0}" srcOrd="0" destOrd="0" presId="urn:microsoft.com/office/officeart/2005/8/layout/vList2"/>
+    <dgm:cxn modelId="{4A29FA64-65F7-47AB-B6D8-DBA646112533}" srcId="{F71BF25B-5E75-4E89-AD61-FA37ED5FE9A3}" destId="{20FA6A05-D9AB-47D4-AE7C-91EFC3D2E21F}" srcOrd="0" destOrd="0" parTransId="{E10F7309-BE25-4900-91D0-DCC1FBD2AF38}" sibTransId="{2E88E25F-C7A2-4BED-A60C-845F542C1904}"/>
+    <dgm:cxn modelId="{88D03EBA-68EA-4E19-BE97-37721A868502}" type="presOf" srcId="{20FA6A05-D9AB-47D4-AE7C-91EFC3D2E21F}" destId="{A06620A6-8952-489D-8884-8E8C506C3216}" srcOrd="0" destOrd="0" presId="urn:microsoft.com/office/officeart/2005/8/layout/vList2"/>
+    <dgm:cxn modelId="{747F7C52-1E49-47F8-AC88-B1C156D8B920}" type="presOf" srcId="{0CB2AEDF-1CF8-48C0-88A7-2DD9839C5FBB}" destId="{A06620A6-8952-489D-8884-8E8C506C3216}" srcOrd="0" destOrd="1" presId="urn:microsoft.com/office/officeart/2005/8/layout/vList2"/>
+    <dgm:cxn modelId="{1D92921C-5D4A-48AD-A009-A95287D713DC}" type="presParOf" srcId="{46C673B1-B8E8-4034-8585-791D0873C9C0}" destId="{8FC86A3E-5648-4A33-BDCF-4036163E468A}" srcOrd="0" destOrd="0" presId="urn:microsoft.com/office/officeart/2005/8/layout/vList2"/>
+    <dgm:cxn modelId="{3BDD51E2-4D40-4654-856E-60625DE1AFB6}" type="presParOf" srcId="{46C673B1-B8E8-4034-8585-791D0873C9C0}" destId="{A06620A6-8952-489D-8884-8E8C506C3216}" srcOrd="1" destOrd="0" presId="urn:microsoft.com/office/officeart/2005/8/layout/vList2"/>
+  </dgm:cxnLst>
+  <dgm:bg/>
+  <dgm:whole/>
+  <dgm:extLst>
+    <a:ext uri="http://schemas.microsoft.com/office/drawing/2008/diagram">
+      <dsp:dataModelExt xmlns:dsp="http://schemas.microsoft.com/office/drawing/2008/diagram" relId="rId6" minVer="http://schemas.openxmlformats.org/drawingml/2006/diagram"/>
+    </a:ext>
+  </dgm:extLst>
+</dgm:dataModel>
+</file>
+
+<file path=ppt/diagrams/data15.xml><?xml version="1.0" encoding="utf-8"?>
+<dgm:dataModel xmlns:dgm="http://schemas.openxmlformats.org/drawingml/2006/diagram" xmlns:a="http://schemas.openxmlformats.org/drawingml/2006/main">
+  <dgm:ptLst>
     <dgm:pt modelId="{AF0C2207-9E97-4CB4-9E1C-43A1C82963AC}" type="doc">
-      <dgm:prSet loTypeId="urn:microsoft.com/office/officeart/2005/8/layout/funnel1" loCatId="relationship" qsTypeId="urn:microsoft.com/office/officeart/2005/8/quickstyle/simple1" qsCatId="simple" csTypeId="urn:microsoft.com/office/officeart/2005/8/colors/accent1_2" csCatId="accent1"/>
+      <dgm:prSet loTypeId="urn:microsoft.com/office/officeart/2005/8/layout/funnel1" loCatId="relationship" qsTypeId="urn:microsoft.com/office/officeart/2005/8/quickstyle/simple1" qsCatId="simple" csTypeId="urn:microsoft.com/office/officeart/2005/8/colors/accent1_2" csCatId="accent1" phldr="1"/>
       <dgm:spPr/>
       <dgm:t>
         <a:bodyPr/>
@@ -13481,8 +14437,16 @@
         <a:lstStyle/>
         <a:p>
           <a:r>
-            <a:rPr lang="de-DE"/>
-            <a:t>CSV kann von Client in CLob-Spalten geladen werden</a:t>
+            <a:rPr lang="de-DE" dirty="0"/>
+            <a:t>CSV kann von Client in </a:t>
+          </a:r>
+          <a:r>
+            <a:rPr lang="de-DE" dirty="0" err="1"/>
+            <a:t>Clob</a:t>
+          </a:r>
+          <a:r>
+            <a:rPr lang="de-DE" dirty="0"/>
+            <a:t>-Spalten geladen werden</a:t>
           </a:r>
         </a:p>
       </dgm:t>
@@ -13517,8 +14481,12 @@
         <a:lstStyle/>
         <a:p>
           <a:r>
-            <a:rPr lang="de-DE"/>
-            <a:t>regexp_replace ist ein mächtiges Umformunsgtool</a:t>
+            <a:rPr lang="de-DE" dirty="0" err="1"/>
+            <a:t>regexp_replace</a:t>
+          </a:r>
+          <a:r>
+            <a:rPr lang="de-DE" dirty="0"/>
+            <a:t> ist ein mächtiges Umformungstool</a:t>
           </a:r>
         </a:p>
       </dgm:t>
@@ -13553,7 +14521,7 @@
         <a:lstStyle/>
         <a:p>
           <a:r>
-            <a:rPr lang="de-DE"/>
+            <a:rPr lang="de-DE" dirty="0"/>
             <a:t>JSON_TABLE ist pure Magie - Erzeugt Spalten und Zeilen</a:t>
           </a:r>
         </a:p>
@@ -14133,15 +15101,15 @@
         <a:lstStyle/>
         <a:p>
           <a:r>
-            <a:rPr lang="en-US">
+            <a:rPr lang="en-US" dirty="0">
               <a:hlinkClick xmlns:r="http://schemas.openxmlformats.org/officeDocument/2006/relationships" r:id="rId1"/>
             </a:rPr>
             <a:t>parsing a CLOB field which contains CSV data</a:t>
           </a:r>
           <a:br>
-            <a:rPr lang="de-DE"/>
+            <a:rPr lang="de-DE" dirty="0"/>
           </a:br>
-          <a:endParaRPr lang="de-DE"/>
+          <a:endParaRPr lang="de-DE" dirty="0"/>
         </a:p>
       </dgm:t>
     </dgm:pt>
@@ -14550,7 +15518,7 @@
         <a:lstStyle/>
         <a:p>
           <a:r>
-            <a:rPr lang="de-DE"/>
+            <a:rPr lang="de-DE" dirty="0"/>
             <a:t>Natives Format von JavaScript</a:t>
           </a:r>
         </a:p>
@@ -17851,7 +18819,6 @@
             <a:rPr lang="de-DE" sz="2000" kern="1200"/>
             <a:t>RegExp in kurz und schnell geht nicht.</a:t>
           </a:r>
-          <a:endParaRPr lang="de-DE" sz="2000" kern="1200"/>
         </a:p>
       </dsp:txBody>
       <dsp:txXfrm>
@@ -17979,7 +18946,6 @@
             <a:rPr lang="de-DE" sz="2000" kern="1200"/>
             <a:t>Google: RegExp Tutorial|Einführung|Tipps</a:t>
           </a:r>
-          <a:endParaRPr lang="de-DE" sz="2000" kern="1200"/>
         </a:p>
       </dsp:txBody>
       <dsp:txXfrm>
@@ -18192,7 +19158,6 @@
             <a:rPr lang="de-DE" sz="1900" kern="1200"/>
             <a:t>Scripts in JavaScript möglich</a:t>
           </a:r>
-          <a:endParaRPr lang="de-DE" sz="1900" kern="1200"/>
         </a:p>
         <a:p>
           <a:pPr marL="114300" lvl="1" indent="-114300" algn="l" defTabSz="666750">
@@ -18289,7 +19254,6 @@
             <a:rPr lang="de-DE" sz="1900" kern="1200"/>
             <a:t>Beispiel</a:t>
           </a:r>
-          <a:endParaRPr lang="de-DE" sz="1900" kern="1200"/>
         </a:p>
         <a:p>
           <a:pPr marL="114300" lvl="1" indent="-114300" algn="l" defTabSz="666750">
@@ -18389,7 +19353,7 @@
       </dsp:nvSpPr>
       <dsp:spPr>
         <a:xfrm>
-          <a:off x="0" y="1530299"/>
+          <a:off x="0" y="1396156"/>
           <a:ext cx="10515600" cy="1559025"/>
         </a:xfrm>
         <a:prstGeom prst="roundRect">
@@ -18456,7 +19420,7 @@
         </a:p>
       </dsp:txBody>
       <dsp:txXfrm>
-        <a:off x="76105" y="1606404"/>
+        <a:off x="76105" y="1472261"/>
         <a:ext cx="10363390" cy="1406815"/>
       </dsp:txXfrm>
     </dsp:sp>
@@ -18465,6 +19429,195 @@
 </file>
 
 <file path=ppt/diagrams/drawing14.xml><?xml version="1.0" encoding="utf-8"?>
+<dsp:drawing xmlns:dgm="http://schemas.openxmlformats.org/drawingml/2006/diagram" xmlns:dsp="http://schemas.microsoft.com/office/drawing/2008/diagram" xmlns:a="http://schemas.openxmlformats.org/drawingml/2006/main">
+  <dsp:spTree>
+    <dsp:nvGrpSpPr>
+      <dsp:cNvPr id="0" name=""/>
+      <dsp:cNvGrpSpPr/>
+    </dsp:nvGrpSpPr>
+    <dsp:grpSpPr/>
+    <dsp:sp modelId="{8FC86A3E-5648-4A33-BDCF-4036163E468A}">
+      <dsp:nvSpPr>
+        <dsp:cNvPr id="0" name=""/>
+        <dsp:cNvSpPr/>
+      </dsp:nvSpPr>
+      <dsp:spPr>
+        <a:xfrm>
+          <a:off x="0" y="267287"/>
+          <a:ext cx="10405763" cy="1223235"/>
+        </a:xfrm>
+        <a:prstGeom prst="roundRect">
+          <a:avLst/>
+        </a:prstGeom>
+        <a:solidFill>
+          <a:schemeClr val="accent1">
+            <a:hueOff val="0"/>
+            <a:satOff val="0"/>
+            <a:lumOff val="0"/>
+            <a:alphaOff val="0"/>
+          </a:schemeClr>
+        </a:solidFill>
+        <a:ln w="12700" cap="flat" cmpd="sng" algn="ctr">
+          <a:solidFill>
+            <a:schemeClr val="lt1">
+              <a:hueOff val="0"/>
+              <a:satOff val="0"/>
+              <a:lumOff val="0"/>
+              <a:alphaOff val="0"/>
+            </a:schemeClr>
+          </a:solidFill>
+          <a:prstDash val="solid"/>
+          <a:miter lim="800000"/>
+        </a:ln>
+        <a:effectLst/>
+      </dsp:spPr>
+      <dsp:style>
+        <a:lnRef idx="2">
+          <a:scrgbClr r="0" g="0" b="0"/>
+        </a:lnRef>
+        <a:fillRef idx="1">
+          <a:scrgbClr r="0" g="0" b="0"/>
+        </a:fillRef>
+        <a:effectRef idx="0">
+          <a:scrgbClr r="0" g="0" b="0"/>
+        </a:effectRef>
+        <a:fontRef idx="minor">
+          <a:schemeClr val="lt1"/>
+        </a:fontRef>
+      </dsp:style>
+      <dsp:txBody>
+        <a:bodyPr spcFirstLastPara="0" vert="horz" wrap="square" lIns="194310" tIns="194310" rIns="194310" bIns="194310" numCol="1" spcCol="1270" anchor="ctr" anchorCtr="0">
+          <a:noAutofit/>
+        </a:bodyPr>
+        <a:lstStyle/>
+        <a:p>
+          <a:pPr marL="0" lvl="0" indent="0" algn="l" defTabSz="2266950">
+            <a:lnSpc>
+              <a:spcPct val="90000"/>
+            </a:lnSpc>
+            <a:spcBef>
+              <a:spcPct val="0"/>
+            </a:spcBef>
+            <a:spcAft>
+              <a:spcPct val="35000"/>
+            </a:spcAft>
+            <a:buNone/>
+          </a:pPr>
+          <a:r>
+            <a:rPr lang="de-DE" sz="5100" kern="1200"/>
+            <a:t>Quellen für Folien und Demos:</a:t>
+          </a:r>
+        </a:p>
+      </dsp:txBody>
+      <dsp:txXfrm>
+        <a:off x="59713" y="327000"/>
+        <a:ext cx="10286337" cy="1103809"/>
+      </dsp:txXfrm>
+    </dsp:sp>
+    <dsp:sp modelId="{A06620A6-8952-489D-8884-8E8C506C3216}">
+      <dsp:nvSpPr>
+        <dsp:cNvPr id="0" name=""/>
+        <dsp:cNvSpPr/>
+      </dsp:nvSpPr>
+      <dsp:spPr>
+        <a:xfrm>
+          <a:off x="0" y="1490522"/>
+          <a:ext cx="10405763" cy="2058614"/>
+        </a:xfrm>
+        <a:prstGeom prst="rect">
+          <a:avLst/>
+        </a:prstGeom>
+        <a:noFill/>
+        <a:ln>
+          <a:noFill/>
+        </a:ln>
+        <a:effectLst/>
+      </dsp:spPr>
+      <dsp:style>
+        <a:lnRef idx="0">
+          <a:scrgbClr r="0" g="0" b="0"/>
+        </a:lnRef>
+        <a:fillRef idx="0">
+          <a:scrgbClr r="0" g="0" b="0"/>
+        </a:fillRef>
+        <a:effectRef idx="0">
+          <a:scrgbClr r="0" g="0" b="0"/>
+        </a:effectRef>
+        <a:fontRef idx="minor"/>
+      </dsp:style>
+      <dsp:txBody>
+        <a:bodyPr spcFirstLastPara="0" vert="horz" wrap="square" lIns="330383" tIns="64770" rIns="362712" bIns="64770" numCol="1" spcCol="1270" anchor="t" anchorCtr="0">
+          <a:noAutofit/>
+        </a:bodyPr>
+        <a:lstStyle/>
+        <a:p>
+          <a:pPr marL="285750" lvl="1" indent="-285750" algn="l" defTabSz="1778000">
+            <a:lnSpc>
+              <a:spcPct val="90000"/>
+            </a:lnSpc>
+            <a:spcBef>
+              <a:spcPct val="0"/>
+            </a:spcBef>
+            <a:spcAft>
+              <a:spcPct val="20000"/>
+            </a:spcAft>
+            <a:buChar char="•"/>
+          </a:pPr>
+          <a:r>
+            <a:rPr lang="de-DE" sz="4000" kern="1200" dirty="0"/>
+            <a:t>DOAG Website / Konferenzplaner</a:t>
+          </a:r>
+        </a:p>
+        <a:p>
+          <a:pPr marL="285750" lvl="1" indent="-285750" algn="l" defTabSz="1778000">
+            <a:lnSpc>
+              <a:spcPct val="90000"/>
+            </a:lnSpc>
+            <a:spcBef>
+              <a:spcPct val="0"/>
+            </a:spcBef>
+            <a:spcAft>
+              <a:spcPct val="20000"/>
+            </a:spcAft>
+            <a:buChar char="•"/>
+          </a:pPr>
+          <a:r>
+            <a:rPr lang="de-DE" sz="4000" kern="1200" dirty="0">
+              <a:hlinkClick xmlns:r="http://schemas.openxmlformats.org/officeDocument/2006/relationships" r:id="rId1"/>
+            </a:rPr>
+            <a:t>http://www.its-people.de/doag-2016</a:t>
+          </a:r>
+          <a:endParaRPr lang="de-DE" sz="4000" kern="1200" dirty="0"/>
+        </a:p>
+        <a:p>
+          <a:pPr marL="285750" lvl="1" indent="-285750" algn="l" defTabSz="1778000">
+            <a:lnSpc>
+              <a:spcPct val="90000"/>
+            </a:lnSpc>
+            <a:spcBef>
+              <a:spcPct val="0"/>
+            </a:spcBef>
+            <a:spcAft>
+              <a:spcPct val="20000"/>
+            </a:spcAft>
+            <a:buChar char="•"/>
+          </a:pPr>
+          <a:r>
+            <a:rPr lang="de-DE" sz="4000" kern="1200" dirty="0"/>
+            <a:t>https://github.com/its-people/csv-json_table</a:t>
+          </a:r>
+        </a:p>
+      </dsp:txBody>
+      <dsp:txXfrm>
+        <a:off x="0" y="1490522"/>
+        <a:ext cx="10405763" cy="2058614"/>
+      </dsp:txXfrm>
+    </dsp:sp>
+  </dsp:spTree>
+</dsp:drawing>
+</file>
+
+<file path=ppt/diagrams/drawing15.xml><?xml version="1.0" encoding="utf-8"?>
 <dsp:drawing xmlns:dgm="http://schemas.openxmlformats.org/drawingml/2006/diagram" xmlns:dsp="http://schemas.microsoft.com/office/drawing/2008/diagram" xmlns:a="http://schemas.openxmlformats.org/drawingml/2006/main">
   <dsp:spTree>
     <dsp:nvGrpSpPr>
@@ -18690,7 +19843,7 @@
             <a:buNone/>
           </a:pPr>
           <a:r>
-            <a:rPr lang="de-DE" sz="1200" kern="1200"/>
+            <a:rPr lang="de-DE" sz="1200" kern="1200" dirty="0"/>
             <a:t>JSON_TABLE ist pure Magie - Erzeugt Spalten und Zeilen</a:t>
           </a:r>
         </a:p>
@@ -18768,8 +19921,12 @@
             <a:buNone/>
           </a:pPr>
           <a:r>
-            <a:rPr lang="de-DE" sz="1200" kern="1200"/>
-            <a:t>regexp_replace ist ein mächtiges Umformunsgtool</a:t>
+            <a:rPr lang="de-DE" sz="1200" kern="1200" dirty="0" err="1"/>
+            <a:t>regexp_replace</a:t>
+          </a:r>
+          <a:r>
+            <a:rPr lang="de-DE" sz="1200" kern="1200" dirty="0"/>
+            <a:t> ist ein mächtiges Umformungstool</a:t>
           </a:r>
         </a:p>
       </dsp:txBody>
@@ -18846,8 +20003,16 @@
             <a:buNone/>
           </a:pPr>
           <a:r>
-            <a:rPr lang="de-DE" sz="1200" kern="1200"/>
-            <a:t>CSV kann von Client in CLob-Spalten geladen werden</a:t>
+            <a:rPr lang="de-DE" sz="1200" kern="1200" dirty="0"/>
+            <a:t>CSV kann von Client in </a:t>
+          </a:r>
+          <a:r>
+            <a:rPr lang="de-DE" sz="1200" kern="1200" dirty="0" err="1"/>
+            <a:t>Clob</a:t>
+          </a:r>
+          <a:r>
+            <a:rPr lang="de-DE" sz="1200" kern="1200" dirty="0"/>
+            <a:t>-Spalten geladen werden</a:t>
           </a:r>
         </a:p>
       </dsp:txBody>
@@ -19856,15 +21021,15 @@
             <a:buNone/>
           </a:pPr>
           <a:r>
-            <a:rPr lang="en-US" sz="2400" kern="1200">
+            <a:rPr lang="en-US" sz="2400" kern="1200" dirty="0">
               <a:hlinkClick xmlns:r="http://schemas.openxmlformats.org/officeDocument/2006/relationships" r:id="rId1"/>
             </a:rPr>
             <a:t>parsing a CLOB field which contains CSV data</a:t>
           </a:r>
           <a:br>
-            <a:rPr lang="de-DE" sz="2400" kern="1200"/>
+            <a:rPr lang="de-DE" sz="2400" kern="1200" dirty="0"/>
           </a:br>
-          <a:endParaRPr lang="de-DE" sz="2400" kern="1200"/>
+          <a:endParaRPr lang="de-DE" sz="2400" kern="1200" dirty="0"/>
         </a:p>
       </dsp:txBody>
       <dsp:txXfrm>
@@ -20241,7 +21406,7 @@
             <a:buNone/>
           </a:pPr>
           <a:r>
-            <a:rPr lang="de-DE" sz="1900" kern="1200"/>
+            <a:rPr lang="de-DE" sz="1900" kern="1200" dirty="0"/>
             <a:t>Natives Format von JavaScript</a:t>
           </a:r>
         </a:p>
@@ -24257,6 +25422,173 @@
 </file>
 
 <file path=ppt/diagrams/layout14.xml><?xml version="1.0" encoding="utf-8"?>
+<dgm:layoutDef xmlns:dgm="http://schemas.openxmlformats.org/drawingml/2006/diagram" xmlns:a="http://schemas.openxmlformats.org/drawingml/2006/main" uniqueId="urn:microsoft.com/office/officeart/2005/8/layout/vList2">
+  <dgm:title val=""/>
+  <dgm:desc val=""/>
+  <dgm:catLst>
+    <dgm:cat type="list" pri="3000"/>
+    <dgm:cat type="convert" pri="1000"/>
+  </dgm:catLst>
+  <dgm:sampData>
+    <dgm:dataModel>
+      <dgm:ptLst>
+        <dgm:pt modelId="0" type="doc"/>
+        <dgm:pt modelId="1">
+          <dgm:prSet phldr="1"/>
+        </dgm:pt>
+        <dgm:pt modelId="11">
+          <dgm:prSet phldr="1"/>
+        </dgm:pt>
+        <dgm:pt modelId="2">
+          <dgm:prSet phldr="1"/>
+        </dgm:pt>
+        <dgm:pt modelId="21">
+          <dgm:prSet phldr="1"/>
+        </dgm:pt>
+      </dgm:ptLst>
+      <dgm:cxnLst>
+        <dgm:cxn modelId="4" srcId="0" destId="1" srcOrd="0" destOrd="0"/>
+        <dgm:cxn modelId="5" srcId="0" destId="2" srcOrd="1" destOrd="0"/>
+        <dgm:cxn modelId="12" srcId="1" destId="11" srcOrd="0" destOrd="0"/>
+        <dgm:cxn modelId="23" srcId="2" destId="21" srcOrd="0" destOrd="0"/>
+      </dgm:cxnLst>
+      <dgm:bg/>
+      <dgm:whole/>
+    </dgm:dataModel>
+  </dgm:sampData>
+  <dgm:styleData>
+    <dgm:dataModel>
+      <dgm:ptLst>
+        <dgm:pt modelId="0" type="doc"/>
+        <dgm:pt modelId="1"/>
+        <dgm:pt modelId="2"/>
+      </dgm:ptLst>
+      <dgm:cxnLst>
+        <dgm:cxn modelId="3" srcId="0" destId="1" srcOrd="0" destOrd="0"/>
+        <dgm:cxn modelId="4" srcId="0" destId="2" srcOrd="1" destOrd="0"/>
+      </dgm:cxnLst>
+      <dgm:bg/>
+      <dgm:whole/>
+    </dgm:dataModel>
+  </dgm:styleData>
+  <dgm:clrData>
+    <dgm:dataModel>
+      <dgm:ptLst>
+        <dgm:pt modelId="0" type="doc"/>
+        <dgm:pt modelId="1"/>
+        <dgm:pt modelId="2"/>
+        <dgm:pt modelId="3"/>
+        <dgm:pt modelId="4"/>
+      </dgm:ptLst>
+      <dgm:cxnLst>
+        <dgm:cxn modelId="5" srcId="0" destId="1" srcOrd="0" destOrd="0"/>
+        <dgm:cxn modelId="6" srcId="0" destId="2" srcOrd="1" destOrd="0"/>
+        <dgm:cxn modelId="7" srcId="0" destId="3" srcOrd="2" destOrd="0"/>
+        <dgm:cxn modelId="8" srcId="0" destId="4" srcOrd="3" destOrd="0"/>
+      </dgm:cxnLst>
+      <dgm:bg/>
+      <dgm:whole/>
+    </dgm:dataModel>
+  </dgm:clrData>
+  <dgm:layoutNode name="linear">
+    <dgm:varLst>
+      <dgm:animLvl val="lvl"/>
+      <dgm:resizeHandles val="exact"/>
+    </dgm:varLst>
+    <dgm:alg type="lin">
+      <dgm:param type="linDir" val="fromT"/>
+      <dgm:param type="vertAlign" val="mid"/>
+    </dgm:alg>
+    <dgm:shape xmlns:r="http://schemas.openxmlformats.org/officeDocument/2006/relationships" r:blip="">
+      <dgm:adjLst/>
+    </dgm:shape>
+    <dgm:presOf/>
+    <dgm:constrLst>
+      <dgm:constr type="w" for="ch" forName="parentText" refType="w"/>
+      <dgm:constr type="h" for="ch" forName="parentText" refType="primFontSz" refFor="ch" refForName="parentText" fact="0.52"/>
+      <dgm:constr type="w" for="ch" forName="childText" refType="w"/>
+      <dgm:constr type="h" for="ch" forName="childText" refType="primFontSz" refFor="ch" refForName="parentText" fact="0.46"/>
+      <dgm:constr type="h" for="ch" forName="parentText" op="equ"/>
+      <dgm:constr type="primFontSz" for="ch" forName="parentText" op="equ" val="65"/>
+      <dgm:constr type="primFontSz" for="ch" forName="childText" refType="primFontSz" refFor="ch" refForName="parentText" op="equ"/>
+      <dgm:constr type="h" for="ch" forName="spacer" refType="primFontSz" refFor="ch" refForName="parentText" fact="0.08"/>
+    </dgm:constrLst>
+    <dgm:ruleLst>
+      <dgm:rule type="primFontSz" for="ch" forName="parentText" val="5" fact="NaN" max="NaN"/>
+    </dgm:ruleLst>
+    <dgm:forEach name="Name0" axis="ch" ptType="node">
+      <dgm:layoutNode name="parentText" styleLbl="node1">
+        <dgm:varLst>
+          <dgm:chMax val="0"/>
+          <dgm:bulletEnabled val="1"/>
+        </dgm:varLst>
+        <dgm:alg type="tx">
+          <dgm:param type="parTxLTRAlign" val="l"/>
+          <dgm:param type="parTxRTLAlign" val="r"/>
+        </dgm:alg>
+        <dgm:shape xmlns:r="http://schemas.openxmlformats.org/officeDocument/2006/relationships" type="roundRect" r:blip="">
+          <dgm:adjLst/>
+        </dgm:shape>
+        <dgm:presOf axis="self"/>
+        <dgm:constrLst>
+          <dgm:constr type="tMarg" refType="primFontSz" fact="0.3"/>
+          <dgm:constr type="bMarg" refType="primFontSz" fact="0.3"/>
+          <dgm:constr type="lMarg" refType="primFontSz" fact="0.3"/>
+          <dgm:constr type="rMarg" refType="primFontSz" fact="0.3"/>
+        </dgm:constrLst>
+        <dgm:ruleLst>
+          <dgm:rule type="h" val="INF" fact="NaN" max="NaN"/>
+        </dgm:ruleLst>
+      </dgm:layoutNode>
+      <dgm:choose name="Name1">
+        <dgm:if name="Name2" axis="ch" ptType="node" func="cnt" op="gte" val="1">
+          <dgm:layoutNode name="childText" styleLbl="revTx">
+            <dgm:varLst>
+              <dgm:bulletEnabled val="1"/>
+            </dgm:varLst>
+            <dgm:alg type="tx">
+              <dgm:param type="stBulletLvl" val="1"/>
+              <dgm:param type="lnSpAfChP" val="20"/>
+            </dgm:alg>
+            <dgm:shape xmlns:r="http://schemas.openxmlformats.org/officeDocument/2006/relationships" type="rect" r:blip="">
+              <dgm:adjLst/>
+            </dgm:shape>
+            <dgm:presOf axis="des" ptType="node"/>
+            <dgm:constrLst>
+              <dgm:constr type="tMarg" refType="primFontSz" fact="0.1"/>
+              <dgm:constr type="bMarg" refType="primFontSz" fact="0.1"/>
+              <dgm:constr type="lMarg" refType="w" fact="0.09"/>
+            </dgm:constrLst>
+            <dgm:ruleLst>
+              <dgm:rule type="h" val="INF" fact="NaN" max="NaN"/>
+            </dgm:ruleLst>
+          </dgm:layoutNode>
+        </dgm:if>
+        <dgm:else name="Name3">
+          <dgm:choose name="Name4">
+            <dgm:if name="Name5" axis="par ch" ptType="doc node" func="cnt" op="gte" val="2">
+              <dgm:forEach name="Name6" axis="followSib" ptType="sibTrans" cnt="1">
+                <dgm:layoutNode name="spacer">
+                  <dgm:alg type="sp"/>
+                  <dgm:shape xmlns:r="http://schemas.openxmlformats.org/officeDocument/2006/relationships" r:blip="">
+                    <dgm:adjLst/>
+                  </dgm:shape>
+                  <dgm:presOf/>
+                  <dgm:constrLst/>
+                  <dgm:ruleLst/>
+                </dgm:layoutNode>
+              </dgm:forEach>
+            </dgm:if>
+            <dgm:else name="Name7"/>
+          </dgm:choose>
+        </dgm:else>
+      </dgm:choose>
+    </dgm:forEach>
+  </dgm:layoutNode>
+</dgm:layoutDef>
+</file>
+
+<file path=ppt/diagrams/layout15.xml><?xml version="1.0" encoding="utf-8"?>
 <dgm:layoutDef xmlns:dgm="http://schemas.openxmlformats.org/drawingml/2006/diagram" xmlns:a="http://schemas.openxmlformats.org/drawingml/2006/main" uniqueId="urn:microsoft.com/office/officeart/2005/8/layout/funnel1">
   <dgm:title val=""/>
   <dgm:desc val=""/>
@@ -33867,6 +35199,1040 @@
 </dgm:styleDef>
 </file>
 
+<file path=ppt/diagrams/quickStyle15.xml><?xml version="1.0" encoding="utf-8"?>
+<dgm:styleDef xmlns:dgm="http://schemas.openxmlformats.org/drawingml/2006/diagram" xmlns:a="http://schemas.openxmlformats.org/drawingml/2006/main" uniqueId="urn:microsoft.com/office/officeart/2005/8/quickstyle/simple1">
+  <dgm:title val=""/>
+  <dgm:desc val=""/>
+  <dgm:catLst>
+    <dgm:cat type="simple" pri="10100"/>
+  </dgm:catLst>
+  <dgm:scene3d>
+    <a:camera prst="orthographicFront"/>
+    <a:lightRig rig="threePt" dir="t"/>
+  </dgm:scene3d>
+  <dgm:styleLbl name="node0">
+    <dgm:scene3d>
+      <a:camera prst="orthographicFront"/>
+      <a:lightRig rig="threePt" dir="t"/>
+    </dgm:scene3d>
+    <dgm:sp3d/>
+    <dgm:txPr/>
+    <dgm:style>
+      <a:lnRef idx="2">
+        <a:scrgbClr r="0" g="0" b="0"/>
+      </a:lnRef>
+      <a:fillRef idx="1">
+        <a:scrgbClr r="0" g="0" b="0"/>
+      </a:fillRef>
+      <a:effectRef idx="0">
+        <a:scrgbClr r="0" g="0" b="0"/>
+      </a:effectRef>
+      <a:fontRef idx="minor">
+        <a:schemeClr val="lt1"/>
+      </a:fontRef>
+    </dgm:style>
+  </dgm:styleLbl>
+  <dgm:styleLbl name="lnNode1">
+    <dgm:scene3d>
+      <a:camera prst="orthographicFront"/>
+      <a:lightRig rig="threePt" dir="t"/>
+    </dgm:scene3d>
+    <dgm:sp3d/>
+    <dgm:txPr/>
+    <dgm:style>
+      <a:lnRef idx="2">
+        <a:scrgbClr r="0" g="0" b="0"/>
+      </a:lnRef>
+      <a:fillRef idx="1">
+        <a:scrgbClr r="0" g="0" b="0"/>
+      </a:fillRef>
+      <a:effectRef idx="0">
+        <a:scrgbClr r="0" g="0" b="0"/>
+      </a:effectRef>
+      <a:fontRef idx="minor">
+        <a:schemeClr val="lt1"/>
+      </a:fontRef>
+    </dgm:style>
+  </dgm:styleLbl>
+  <dgm:styleLbl name="vennNode1">
+    <dgm:scene3d>
+      <a:camera prst="orthographicFront"/>
+      <a:lightRig rig="threePt" dir="t"/>
+    </dgm:scene3d>
+    <dgm:sp3d/>
+    <dgm:txPr/>
+    <dgm:style>
+      <a:lnRef idx="2">
+        <a:scrgbClr r="0" g="0" b="0"/>
+      </a:lnRef>
+      <a:fillRef idx="1">
+        <a:scrgbClr r="0" g="0" b="0"/>
+      </a:fillRef>
+      <a:effectRef idx="0">
+        <a:scrgbClr r="0" g="0" b="0"/>
+      </a:effectRef>
+      <a:fontRef idx="minor">
+        <a:schemeClr val="tx1"/>
+      </a:fontRef>
+    </dgm:style>
+  </dgm:styleLbl>
+  <dgm:styleLbl name="alignNode1">
+    <dgm:scene3d>
+      <a:camera prst="orthographicFront"/>
+      <a:lightRig rig="threePt" dir="t"/>
+    </dgm:scene3d>
+    <dgm:sp3d/>
+    <dgm:txPr/>
+    <dgm:style>
+      <a:lnRef idx="2">
+        <a:scrgbClr r="0" g="0" b="0"/>
+      </a:lnRef>
+      <a:fillRef idx="1">
+        <a:scrgbClr r="0" g="0" b="0"/>
+      </a:fillRef>
+      <a:effectRef idx="0">
+        <a:scrgbClr r="0" g="0" b="0"/>
+      </a:effectRef>
+      <a:fontRef idx="minor">
+        <a:schemeClr val="lt1"/>
+      </a:fontRef>
+    </dgm:style>
+  </dgm:styleLbl>
+  <dgm:styleLbl name="node1">
+    <dgm:scene3d>
+      <a:camera prst="orthographicFront"/>
+      <a:lightRig rig="threePt" dir="t"/>
+    </dgm:scene3d>
+    <dgm:sp3d/>
+    <dgm:txPr/>
+    <dgm:style>
+      <a:lnRef idx="2">
+        <a:scrgbClr r="0" g="0" b="0"/>
+      </a:lnRef>
+      <a:fillRef idx="1">
+        <a:scrgbClr r="0" g="0" b="0"/>
+      </a:fillRef>
+      <a:effectRef idx="0">
+        <a:scrgbClr r="0" g="0" b="0"/>
+      </a:effectRef>
+      <a:fontRef idx="minor">
+        <a:schemeClr val="lt1"/>
+      </a:fontRef>
+    </dgm:style>
+  </dgm:styleLbl>
+  <dgm:styleLbl name="node2">
+    <dgm:scene3d>
+      <a:camera prst="orthographicFront"/>
+      <a:lightRig rig="threePt" dir="t"/>
+    </dgm:scene3d>
+    <dgm:sp3d/>
+    <dgm:txPr/>
+    <dgm:style>
+      <a:lnRef idx="2">
+        <a:scrgbClr r="0" g="0" b="0"/>
+      </a:lnRef>
+      <a:fillRef idx="1">
+        <a:scrgbClr r="0" g="0" b="0"/>
+      </a:fillRef>
+      <a:effectRef idx="0">
+        <a:scrgbClr r="0" g="0" b="0"/>
+      </a:effectRef>
+      <a:fontRef idx="minor">
+        <a:schemeClr val="lt1"/>
+      </a:fontRef>
+    </dgm:style>
+  </dgm:styleLbl>
+  <dgm:styleLbl name="node3">
+    <dgm:scene3d>
+      <a:camera prst="orthographicFront"/>
+      <a:lightRig rig="threePt" dir="t"/>
+    </dgm:scene3d>
+    <dgm:sp3d/>
+    <dgm:txPr/>
+    <dgm:style>
+      <a:lnRef idx="2">
+        <a:scrgbClr r="0" g="0" b="0"/>
+      </a:lnRef>
+      <a:fillRef idx="1">
+        <a:scrgbClr r="0" g="0" b="0"/>
+      </a:fillRef>
+      <a:effectRef idx="0">
+        <a:scrgbClr r="0" g="0" b="0"/>
+      </a:effectRef>
+      <a:fontRef idx="minor">
+        <a:schemeClr val="lt1"/>
+      </a:fontRef>
+    </dgm:style>
+  </dgm:styleLbl>
+  <dgm:styleLbl name="node4">
+    <dgm:scene3d>
+      <a:camera prst="orthographicFront"/>
+      <a:lightRig rig="threePt" dir="t"/>
+    </dgm:scene3d>
+    <dgm:sp3d/>
+    <dgm:txPr/>
+    <dgm:style>
+      <a:lnRef idx="2">
+        <a:scrgbClr r="0" g="0" b="0"/>
+      </a:lnRef>
+      <a:fillRef idx="1">
+        <a:scrgbClr r="0" g="0" b="0"/>
+      </a:fillRef>
+      <a:effectRef idx="0">
+        <a:scrgbClr r="0" g="0" b="0"/>
+      </a:effectRef>
+      <a:fontRef idx="minor">
+        <a:schemeClr val="lt1"/>
+      </a:fontRef>
+    </dgm:style>
+  </dgm:styleLbl>
+  <dgm:styleLbl name="fgImgPlace1">
+    <dgm:scene3d>
+      <a:camera prst="orthographicFront"/>
+      <a:lightRig rig="threePt" dir="t"/>
+    </dgm:scene3d>
+    <dgm:sp3d/>
+    <dgm:txPr/>
+    <dgm:style>
+      <a:lnRef idx="2">
+        <a:scrgbClr r="0" g="0" b="0"/>
+      </a:lnRef>
+      <a:fillRef idx="1">
+        <a:scrgbClr r="0" g="0" b="0"/>
+      </a:fillRef>
+      <a:effectRef idx="0">
+        <a:scrgbClr r="0" g="0" b="0"/>
+      </a:effectRef>
+      <a:fontRef idx="minor"/>
+    </dgm:style>
+  </dgm:styleLbl>
+  <dgm:styleLbl name="alignImgPlace1">
+    <dgm:scene3d>
+      <a:camera prst="orthographicFront"/>
+      <a:lightRig rig="threePt" dir="t"/>
+    </dgm:scene3d>
+    <dgm:sp3d/>
+    <dgm:txPr/>
+    <dgm:style>
+      <a:lnRef idx="2">
+        <a:scrgbClr r="0" g="0" b="0"/>
+      </a:lnRef>
+      <a:fillRef idx="1">
+        <a:scrgbClr r="0" g="0" b="0"/>
+      </a:fillRef>
+      <a:effectRef idx="0">
+        <a:scrgbClr r="0" g="0" b="0"/>
+      </a:effectRef>
+      <a:fontRef idx="minor"/>
+    </dgm:style>
+  </dgm:styleLbl>
+  <dgm:styleLbl name="bgImgPlace1">
+    <dgm:scene3d>
+      <a:camera prst="orthographicFront"/>
+      <a:lightRig rig="threePt" dir="t"/>
+    </dgm:scene3d>
+    <dgm:sp3d/>
+    <dgm:txPr/>
+    <dgm:style>
+      <a:lnRef idx="2">
+        <a:scrgbClr r="0" g="0" b="0"/>
+      </a:lnRef>
+      <a:fillRef idx="1">
+        <a:scrgbClr r="0" g="0" b="0"/>
+      </a:fillRef>
+      <a:effectRef idx="0">
+        <a:scrgbClr r="0" g="0" b="0"/>
+      </a:effectRef>
+      <a:fontRef idx="minor"/>
+    </dgm:style>
+  </dgm:styleLbl>
+  <dgm:styleLbl name="sibTrans2D1">
+    <dgm:scene3d>
+      <a:camera prst="orthographicFront"/>
+      <a:lightRig rig="threePt" dir="t"/>
+    </dgm:scene3d>
+    <dgm:sp3d/>
+    <dgm:txPr/>
+    <dgm:style>
+      <a:lnRef idx="0">
+        <a:scrgbClr r="0" g="0" b="0"/>
+      </a:lnRef>
+      <a:fillRef idx="1">
+        <a:scrgbClr r="0" g="0" b="0"/>
+      </a:fillRef>
+      <a:effectRef idx="0">
+        <a:scrgbClr r="0" g="0" b="0"/>
+      </a:effectRef>
+      <a:fontRef idx="minor">
+        <a:schemeClr val="lt1"/>
+      </a:fontRef>
+    </dgm:style>
+  </dgm:styleLbl>
+  <dgm:styleLbl name="fgSibTrans2D1">
+    <dgm:scene3d>
+      <a:camera prst="orthographicFront"/>
+      <a:lightRig rig="threePt" dir="t"/>
+    </dgm:scene3d>
+    <dgm:sp3d/>
+    <dgm:txPr/>
+    <dgm:style>
+      <a:lnRef idx="0">
+        <a:scrgbClr r="0" g="0" b="0"/>
+      </a:lnRef>
+      <a:fillRef idx="1">
+        <a:scrgbClr r="0" g="0" b="0"/>
+      </a:fillRef>
+      <a:effectRef idx="0">
+        <a:scrgbClr r="0" g="0" b="0"/>
+      </a:effectRef>
+      <a:fontRef idx="minor">
+        <a:schemeClr val="lt1"/>
+      </a:fontRef>
+    </dgm:style>
+  </dgm:styleLbl>
+  <dgm:styleLbl name="bgSibTrans2D1">
+    <dgm:scene3d>
+      <a:camera prst="orthographicFront"/>
+      <a:lightRig rig="threePt" dir="t"/>
+    </dgm:scene3d>
+    <dgm:sp3d/>
+    <dgm:txPr/>
+    <dgm:style>
+      <a:lnRef idx="0">
+        <a:scrgbClr r="0" g="0" b="0"/>
+      </a:lnRef>
+      <a:fillRef idx="1">
+        <a:scrgbClr r="0" g="0" b="0"/>
+      </a:fillRef>
+      <a:effectRef idx="0">
+        <a:scrgbClr r="0" g="0" b="0"/>
+      </a:effectRef>
+      <a:fontRef idx="minor">
+        <a:schemeClr val="lt1"/>
+      </a:fontRef>
+    </dgm:style>
+  </dgm:styleLbl>
+  <dgm:styleLbl name="sibTrans1D1">
+    <dgm:scene3d>
+      <a:camera prst="orthographicFront"/>
+      <a:lightRig rig="threePt" dir="t"/>
+    </dgm:scene3d>
+    <dgm:sp3d/>
+    <dgm:txPr/>
+    <dgm:style>
+      <a:lnRef idx="1">
+        <a:scrgbClr r="0" g="0" b="0"/>
+      </a:lnRef>
+      <a:fillRef idx="0">
+        <a:scrgbClr r="0" g="0" b="0"/>
+      </a:fillRef>
+      <a:effectRef idx="0">
+        <a:scrgbClr r="0" g="0" b="0"/>
+      </a:effectRef>
+      <a:fontRef idx="minor"/>
+    </dgm:style>
+  </dgm:styleLbl>
+  <dgm:styleLbl name="callout">
+    <dgm:scene3d>
+      <a:camera prst="orthographicFront"/>
+      <a:lightRig rig="threePt" dir="t"/>
+    </dgm:scene3d>
+    <dgm:sp3d/>
+    <dgm:txPr/>
+    <dgm:style>
+      <a:lnRef idx="2">
+        <a:scrgbClr r="0" g="0" b="0"/>
+      </a:lnRef>
+      <a:fillRef idx="1">
+        <a:scrgbClr r="0" g="0" b="0"/>
+      </a:fillRef>
+      <a:effectRef idx="0">
+        <a:scrgbClr r="0" g="0" b="0"/>
+      </a:effectRef>
+      <a:fontRef idx="minor"/>
+    </dgm:style>
+  </dgm:styleLbl>
+  <dgm:styleLbl name="asst0">
+    <dgm:scene3d>
+      <a:camera prst="orthographicFront"/>
+      <a:lightRig rig="threePt" dir="t"/>
+    </dgm:scene3d>
+    <dgm:sp3d/>
+    <dgm:txPr/>
+    <dgm:style>
+      <a:lnRef idx="2">
+        <a:scrgbClr r="0" g="0" b="0"/>
+      </a:lnRef>
+      <a:fillRef idx="1">
+        <a:scrgbClr r="0" g="0" b="0"/>
+      </a:fillRef>
+      <a:effectRef idx="0">
+        <a:scrgbClr r="0" g="0" b="0"/>
+      </a:effectRef>
+      <a:fontRef idx="minor">
+        <a:schemeClr val="lt1"/>
+      </a:fontRef>
+    </dgm:style>
+  </dgm:styleLbl>
+  <dgm:styleLbl name="asst1">
+    <dgm:scene3d>
+      <a:camera prst="orthographicFront"/>
+      <a:lightRig rig="threePt" dir="t"/>
+    </dgm:scene3d>
+    <dgm:sp3d/>
+    <dgm:txPr/>
+    <dgm:style>
+      <a:lnRef idx="2">
+        <a:scrgbClr r="0" g="0" b="0"/>
+      </a:lnRef>
+      <a:fillRef idx="1">
+        <a:scrgbClr r="0" g="0" b="0"/>
+      </a:fillRef>
+      <a:effectRef idx="0">
+        <a:scrgbClr r="0" g="0" b="0"/>
+      </a:effectRef>
+      <a:fontRef idx="minor">
+        <a:schemeClr val="lt1"/>
+      </a:fontRef>
+    </dgm:style>
+  </dgm:styleLbl>
+  <dgm:styleLbl name="asst2">
+    <dgm:scene3d>
+      <a:camera prst="orthographicFront"/>
+      <a:lightRig rig="threePt" dir="t"/>
+    </dgm:scene3d>
+    <dgm:sp3d/>
+    <dgm:txPr/>
+    <dgm:style>
+      <a:lnRef idx="2">
+        <a:scrgbClr r="0" g="0" b="0"/>
+      </a:lnRef>
+      <a:fillRef idx="1">
+        <a:scrgbClr r="0" g="0" b="0"/>
+      </a:fillRef>
+      <a:effectRef idx="0">
+        <a:scrgbClr r="0" g="0" b="0"/>
+      </a:effectRef>
+      <a:fontRef idx="minor">
+        <a:schemeClr val="lt1"/>
+      </a:fontRef>
+    </dgm:style>
+  </dgm:styleLbl>
+  <dgm:styleLbl name="asst3">
+    <dgm:scene3d>
+      <a:camera prst="orthographicFront"/>
+      <a:lightRig rig="threePt" dir="t"/>
+    </dgm:scene3d>
+    <dgm:sp3d/>
+    <dgm:txPr/>
+    <dgm:style>
+      <a:lnRef idx="2">
+        <a:scrgbClr r="0" g="0" b="0"/>
+      </a:lnRef>
+      <a:fillRef idx="1">
+        <a:scrgbClr r="0" g="0" b="0"/>
+      </a:fillRef>
+      <a:effectRef idx="0">
+        <a:scrgbClr r="0" g="0" b="0"/>
+      </a:effectRef>
+      <a:fontRef idx="minor">
+        <a:schemeClr val="lt1"/>
+      </a:fontRef>
+    </dgm:style>
+  </dgm:styleLbl>
+  <dgm:styleLbl name="asst4">
+    <dgm:scene3d>
+      <a:camera prst="orthographicFront"/>
+      <a:lightRig rig="threePt" dir="t"/>
+    </dgm:scene3d>
+    <dgm:sp3d/>
+    <dgm:txPr/>
+    <dgm:style>
+      <a:lnRef idx="2">
+        <a:scrgbClr r="0" g="0" b="0"/>
+      </a:lnRef>
+      <a:fillRef idx="1">
+        <a:scrgbClr r="0" g="0" b="0"/>
+      </a:fillRef>
+      <a:effectRef idx="0">
+        <a:scrgbClr r="0" g="0" b="0"/>
+      </a:effectRef>
+      <a:fontRef idx="minor">
+        <a:schemeClr val="lt1"/>
+      </a:fontRef>
+    </dgm:style>
+  </dgm:styleLbl>
+  <dgm:styleLbl name="parChTrans2D1">
+    <dgm:scene3d>
+      <a:camera prst="orthographicFront"/>
+      <a:lightRig rig="threePt" dir="t"/>
+    </dgm:scene3d>
+    <dgm:sp3d/>
+    <dgm:txPr/>
+    <dgm:style>
+      <a:lnRef idx="2">
+        <a:scrgbClr r="0" g="0" b="0"/>
+      </a:lnRef>
+      <a:fillRef idx="1">
+        <a:scrgbClr r="0" g="0" b="0"/>
+      </a:fillRef>
+      <a:effectRef idx="0">
+        <a:scrgbClr r="0" g="0" b="0"/>
+      </a:effectRef>
+      <a:fontRef idx="minor">
+        <a:schemeClr val="lt1"/>
+      </a:fontRef>
+    </dgm:style>
+  </dgm:styleLbl>
+  <dgm:styleLbl name="parChTrans2D2">
+    <dgm:scene3d>
+      <a:camera prst="orthographicFront"/>
+      <a:lightRig rig="threePt" dir="t"/>
+    </dgm:scene3d>
+    <dgm:sp3d/>
+    <dgm:txPr/>
+    <dgm:style>
+      <a:lnRef idx="2">
+        <a:scrgbClr r="0" g="0" b="0"/>
+      </a:lnRef>
+      <a:fillRef idx="1">
+        <a:scrgbClr r="0" g="0" b="0"/>
+      </a:fillRef>
+      <a:effectRef idx="0">
+        <a:scrgbClr r="0" g="0" b="0"/>
+      </a:effectRef>
+      <a:fontRef idx="minor">
+        <a:schemeClr val="lt1"/>
+      </a:fontRef>
+    </dgm:style>
+  </dgm:styleLbl>
+  <dgm:styleLbl name="parChTrans2D3">
+    <dgm:scene3d>
+      <a:camera prst="orthographicFront"/>
+      <a:lightRig rig="threePt" dir="t"/>
+    </dgm:scene3d>
+    <dgm:sp3d/>
+    <dgm:txPr/>
+    <dgm:style>
+      <a:lnRef idx="2">
+        <a:scrgbClr r="0" g="0" b="0"/>
+      </a:lnRef>
+      <a:fillRef idx="1">
+        <a:scrgbClr r="0" g="0" b="0"/>
+      </a:fillRef>
+      <a:effectRef idx="0">
+        <a:scrgbClr r="0" g="0" b="0"/>
+      </a:effectRef>
+      <a:fontRef idx="minor">
+        <a:schemeClr val="lt1"/>
+      </a:fontRef>
+    </dgm:style>
+  </dgm:styleLbl>
+  <dgm:styleLbl name="parChTrans2D4">
+    <dgm:scene3d>
+      <a:camera prst="orthographicFront"/>
+      <a:lightRig rig="threePt" dir="t"/>
+    </dgm:scene3d>
+    <dgm:sp3d/>
+    <dgm:txPr/>
+    <dgm:style>
+      <a:lnRef idx="2">
+        <a:scrgbClr r="0" g="0" b="0"/>
+      </a:lnRef>
+      <a:fillRef idx="1">
+        <a:scrgbClr r="0" g="0" b="0"/>
+      </a:fillRef>
+      <a:effectRef idx="0">
+        <a:scrgbClr r="0" g="0" b="0"/>
+      </a:effectRef>
+      <a:fontRef idx="minor">
+        <a:schemeClr val="lt1"/>
+      </a:fontRef>
+    </dgm:style>
+  </dgm:styleLbl>
+  <dgm:styleLbl name="parChTrans1D1">
+    <dgm:scene3d>
+      <a:camera prst="orthographicFront"/>
+      <a:lightRig rig="threePt" dir="t"/>
+    </dgm:scene3d>
+    <dgm:sp3d/>
+    <dgm:txPr/>
+    <dgm:style>
+      <a:lnRef idx="2">
+        <a:scrgbClr r="0" g="0" b="0"/>
+      </a:lnRef>
+      <a:fillRef idx="0">
+        <a:scrgbClr r="0" g="0" b="0"/>
+      </a:fillRef>
+      <a:effectRef idx="0">
+        <a:scrgbClr r="0" g="0" b="0"/>
+      </a:effectRef>
+      <a:fontRef idx="minor"/>
+    </dgm:style>
+  </dgm:styleLbl>
+  <dgm:styleLbl name="parChTrans1D2">
+    <dgm:scene3d>
+      <a:camera prst="orthographicFront"/>
+      <a:lightRig rig="threePt" dir="t"/>
+    </dgm:scene3d>
+    <dgm:sp3d/>
+    <dgm:txPr/>
+    <dgm:style>
+      <a:lnRef idx="2">
+        <a:scrgbClr r="0" g="0" b="0"/>
+      </a:lnRef>
+      <a:fillRef idx="0">
+        <a:scrgbClr r="0" g="0" b="0"/>
+      </a:fillRef>
+      <a:effectRef idx="0">
+        <a:scrgbClr r="0" g="0" b="0"/>
+      </a:effectRef>
+      <a:fontRef idx="minor"/>
+    </dgm:style>
+  </dgm:styleLbl>
+  <dgm:styleLbl name="parChTrans1D3">
+    <dgm:scene3d>
+      <a:camera prst="orthographicFront"/>
+      <a:lightRig rig="threePt" dir="t"/>
+    </dgm:scene3d>
+    <dgm:sp3d/>
+    <dgm:txPr/>
+    <dgm:style>
+      <a:lnRef idx="2">
+        <a:scrgbClr r="0" g="0" b="0"/>
+      </a:lnRef>
+      <a:fillRef idx="0">
+        <a:scrgbClr r="0" g="0" b="0"/>
+      </a:fillRef>
+      <a:effectRef idx="0">
+        <a:scrgbClr r="0" g="0" b="0"/>
+      </a:effectRef>
+      <a:fontRef idx="minor"/>
+    </dgm:style>
+  </dgm:styleLbl>
+  <dgm:styleLbl name="parChTrans1D4">
+    <dgm:scene3d>
+      <a:camera prst="orthographicFront"/>
+      <a:lightRig rig="threePt" dir="t"/>
+    </dgm:scene3d>
+    <dgm:sp3d/>
+    <dgm:txPr/>
+    <dgm:style>
+      <a:lnRef idx="2">
+        <a:scrgbClr r="0" g="0" b="0"/>
+      </a:lnRef>
+      <a:fillRef idx="0">
+        <a:scrgbClr r="0" g="0" b="0"/>
+      </a:fillRef>
+      <a:effectRef idx="0">
+        <a:scrgbClr r="0" g="0" b="0"/>
+      </a:effectRef>
+      <a:fontRef idx="minor"/>
+    </dgm:style>
+  </dgm:styleLbl>
+  <dgm:styleLbl name="fgAcc1">
+    <dgm:scene3d>
+      <a:camera prst="orthographicFront"/>
+      <a:lightRig rig="threePt" dir="t"/>
+    </dgm:scene3d>
+    <dgm:sp3d/>
+    <dgm:txPr/>
+    <dgm:style>
+      <a:lnRef idx="2">
+        <a:scrgbClr r="0" g="0" b="0"/>
+      </a:lnRef>
+      <a:fillRef idx="1">
+        <a:scrgbClr r="0" g="0" b="0"/>
+      </a:fillRef>
+      <a:effectRef idx="0">
+        <a:scrgbClr r="0" g="0" b="0"/>
+      </a:effectRef>
+      <a:fontRef idx="minor"/>
+    </dgm:style>
+  </dgm:styleLbl>
+  <dgm:styleLbl name="conFgAcc1">
+    <dgm:scene3d>
+      <a:camera prst="orthographicFront"/>
+      <a:lightRig rig="threePt" dir="t"/>
+    </dgm:scene3d>
+    <dgm:sp3d/>
+    <dgm:txPr/>
+    <dgm:style>
+      <a:lnRef idx="2">
+        <a:scrgbClr r="0" g="0" b="0"/>
+      </a:lnRef>
+      <a:fillRef idx="1">
+        <a:scrgbClr r="0" g="0" b="0"/>
+      </a:fillRef>
+      <a:effectRef idx="0">
+        <a:scrgbClr r="0" g="0" b="0"/>
+      </a:effectRef>
+      <a:fontRef idx="minor"/>
+    </dgm:style>
+  </dgm:styleLbl>
+  <dgm:styleLbl name="alignAcc1">
+    <dgm:scene3d>
+      <a:camera prst="orthographicFront"/>
+      <a:lightRig rig="threePt" dir="t"/>
+    </dgm:scene3d>
+    <dgm:sp3d/>
+    <dgm:txPr/>
+    <dgm:style>
+      <a:lnRef idx="2">
+        <a:scrgbClr r="0" g="0" b="0"/>
+      </a:lnRef>
+      <a:fillRef idx="1">
+        <a:scrgbClr r="0" g="0" b="0"/>
+      </a:fillRef>
+      <a:effectRef idx="0">
+        <a:scrgbClr r="0" g="0" b="0"/>
+      </a:effectRef>
+      <a:fontRef idx="minor"/>
+    </dgm:style>
+  </dgm:styleLbl>
+  <dgm:styleLbl name="trAlignAcc1">
+    <dgm:scene3d>
+      <a:camera prst="orthographicFront"/>
+      <a:lightRig rig="threePt" dir="t"/>
+    </dgm:scene3d>
+    <dgm:sp3d/>
+    <dgm:txPr/>
+    <dgm:style>
+      <a:lnRef idx="1">
+        <a:scrgbClr r="0" g="0" b="0"/>
+      </a:lnRef>
+      <a:fillRef idx="1">
+        <a:scrgbClr r="0" g="0" b="0"/>
+      </a:fillRef>
+      <a:effectRef idx="0">
+        <a:scrgbClr r="0" g="0" b="0"/>
+      </a:effectRef>
+      <a:fontRef idx="minor"/>
+    </dgm:style>
+  </dgm:styleLbl>
+  <dgm:styleLbl name="bgAcc1">
+    <dgm:scene3d>
+      <a:camera prst="orthographicFront"/>
+      <a:lightRig rig="threePt" dir="t"/>
+    </dgm:scene3d>
+    <dgm:sp3d/>
+    <dgm:txPr/>
+    <dgm:style>
+      <a:lnRef idx="2">
+        <a:scrgbClr r="0" g="0" b="0"/>
+      </a:lnRef>
+      <a:fillRef idx="1">
+        <a:scrgbClr r="0" g="0" b="0"/>
+      </a:fillRef>
+      <a:effectRef idx="0">
+        <a:scrgbClr r="0" g="0" b="0"/>
+      </a:effectRef>
+      <a:fontRef idx="minor"/>
+    </dgm:style>
+  </dgm:styleLbl>
+  <dgm:styleLbl name="solidFgAcc1">
+    <dgm:scene3d>
+      <a:camera prst="orthographicFront"/>
+      <a:lightRig rig="threePt" dir="t"/>
+    </dgm:scene3d>
+    <dgm:sp3d/>
+    <dgm:txPr/>
+    <dgm:style>
+      <a:lnRef idx="2">
+        <a:scrgbClr r="0" g="0" b="0"/>
+      </a:lnRef>
+      <a:fillRef idx="1">
+        <a:scrgbClr r="0" g="0" b="0"/>
+      </a:fillRef>
+      <a:effectRef idx="0">
+        <a:scrgbClr r="0" g="0" b="0"/>
+      </a:effectRef>
+      <a:fontRef idx="minor"/>
+    </dgm:style>
+  </dgm:styleLbl>
+  <dgm:styleLbl name="solidAlignAcc1">
+    <dgm:scene3d>
+      <a:camera prst="orthographicFront"/>
+      <a:lightRig rig="threePt" dir="t"/>
+    </dgm:scene3d>
+    <dgm:sp3d/>
+    <dgm:txPr/>
+    <dgm:style>
+      <a:lnRef idx="2">
+        <a:scrgbClr r="0" g="0" b="0"/>
+      </a:lnRef>
+      <a:fillRef idx="1">
+        <a:scrgbClr r="0" g="0" b="0"/>
+      </a:fillRef>
+      <a:effectRef idx="0">
+        <a:scrgbClr r="0" g="0" b="0"/>
+      </a:effectRef>
+      <a:fontRef idx="minor"/>
+    </dgm:style>
+  </dgm:styleLbl>
+  <dgm:styleLbl name="solidBgAcc1">
+    <dgm:scene3d>
+      <a:camera prst="orthographicFront"/>
+      <a:lightRig rig="threePt" dir="t"/>
+    </dgm:scene3d>
+    <dgm:sp3d/>
+    <dgm:txPr/>
+    <dgm:style>
+      <a:lnRef idx="2">
+        <a:scrgbClr r="0" g="0" b="0"/>
+      </a:lnRef>
+      <a:fillRef idx="1">
+        <a:scrgbClr r="0" g="0" b="0"/>
+      </a:fillRef>
+      <a:effectRef idx="0">
+        <a:scrgbClr r="0" g="0" b="0"/>
+      </a:effectRef>
+      <a:fontRef idx="minor"/>
+    </dgm:style>
+  </dgm:styleLbl>
+  <dgm:styleLbl name="fgAccFollowNode1">
+    <dgm:scene3d>
+      <a:camera prst="orthographicFront"/>
+      <a:lightRig rig="threePt" dir="t"/>
+    </dgm:scene3d>
+    <dgm:sp3d/>
+    <dgm:txPr/>
+    <dgm:style>
+      <a:lnRef idx="2">
+        <a:scrgbClr r="0" g="0" b="0"/>
+      </a:lnRef>
+      <a:fillRef idx="1">
+        <a:scrgbClr r="0" g="0" b="0"/>
+      </a:fillRef>
+      <a:effectRef idx="0">
+        <a:scrgbClr r="0" g="0" b="0"/>
+      </a:effectRef>
+      <a:fontRef idx="minor"/>
+    </dgm:style>
+  </dgm:styleLbl>
+  <dgm:styleLbl name="alignAccFollowNode1">
+    <dgm:scene3d>
+      <a:camera prst="orthographicFront"/>
+      <a:lightRig rig="threePt" dir="t"/>
+    </dgm:scene3d>
+    <dgm:sp3d/>
+    <dgm:txPr/>
+    <dgm:style>
+      <a:lnRef idx="2">
+        <a:scrgbClr r="0" g="0" b="0"/>
+      </a:lnRef>
+      <a:fillRef idx="1">
+        <a:scrgbClr r="0" g="0" b="0"/>
+      </a:fillRef>
+      <a:effectRef idx="0">
+        <a:scrgbClr r="0" g="0" b="0"/>
+      </a:effectRef>
+      <a:fontRef idx="minor"/>
+    </dgm:style>
+  </dgm:styleLbl>
+  <dgm:styleLbl name="bgAccFollowNode1">
+    <dgm:scene3d>
+      <a:camera prst="orthographicFront"/>
+      <a:lightRig rig="threePt" dir="t"/>
+    </dgm:scene3d>
+    <dgm:sp3d/>
+    <dgm:txPr/>
+    <dgm:style>
+      <a:lnRef idx="2">
+        <a:scrgbClr r="0" g="0" b="0"/>
+      </a:lnRef>
+      <a:fillRef idx="1">
+        <a:scrgbClr r="0" g="0" b="0"/>
+      </a:fillRef>
+      <a:effectRef idx="0">
+        <a:scrgbClr r="0" g="0" b="0"/>
+      </a:effectRef>
+      <a:fontRef idx="minor"/>
+    </dgm:style>
+  </dgm:styleLbl>
+  <dgm:styleLbl name="fgAcc0">
+    <dgm:scene3d>
+      <a:camera prst="orthographicFront"/>
+      <a:lightRig rig="threePt" dir="t"/>
+    </dgm:scene3d>
+    <dgm:sp3d/>
+    <dgm:txPr/>
+    <dgm:style>
+      <a:lnRef idx="2">
+        <a:scrgbClr r="0" g="0" b="0"/>
+      </a:lnRef>
+      <a:fillRef idx="1">
+        <a:scrgbClr r="0" g="0" b="0"/>
+      </a:fillRef>
+      <a:effectRef idx="0">
+        <a:scrgbClr r="0" g="0" b="0"/>
+      </a:effectRef>
+      <a:fontRef idx="minor"/>
+    </dgm:style>
+  </dgm:styleLbl>
+  <dgm:styleLbl name="fgAcc2">
+    <dgm:scene3d>
+      <a:camera prst="orthographicFront"/>
+      <a:lightRig rig="threePt" dir="t"/>
+    </dgm:scene3d>
+    <dgm:sp3d/>
+    <dgm:txPr/>
+    <dgm:style>
+      <a:lnRef idx="2">
+        <a:scrgbClr r="0" g="0" b="0"/>
+      </a:lnRef>
+      <a:fillRef idx="1">
+        <a:scrgbClr r="0" g="0" b="0"/>
+      </a:fillRef>
+      <a:effectRef idx="0">
+        <a:scrgbClr r="0" g="0" b="0"/>
+      </a:effectRef>
+      <a:fontRef idx="minor"/>
+    </dgm:style>
+  </dgm:styleLbl>
+  <dgm:styleLbl name="fgAcc3">
+    <dgm:scene3d>
+      <a:camera prst="orthographicFront"/>
+      <a:lightRig rig="threePt" dir="t"/>
+    </dgm:scene3d>
+    <dgm:sp3d/>
+    <dgm:txPr/>
+    <dgm:style>
+      <a:lnRef idx="2">
+        <a:scrgbClr r="0" g="0" b="0"/>
+      </a:lnRef>
+      <a:fillRef idx="1">
+        <a:scrgbClr r="0" g="0" b="0"/>
+      </a:fillRef>
+      <a:effectRef idx="0">
+        <a:scrgbClr r="0" g="0" b="0"/>
+      </a:effectRef>
+      <a:fontRef idx="minor"/>
+    </dgm:style>
+  </dgm:styleLbl>
+  <dgm:styleLbl name="fgAcc4">
+    <dgm:scene3d>
+      <a:camera prst="orthographicFront"/>
+      <a:lightRig rig="threePt" dir="t"/>
+    </dgm:scene3d>
+    <dgm:sp3d/>
+    <dgm:txPr/>
+    <dgm:style>
+      <a:lnRef idx="2">
+        <a:scrgbClr r="0" g="0" b="0"/>
+      </a:lnRef>
+      <a:fillRef idx="1">
+        <a:scrgbClr r="0" g="0" b="0"/>
+      </a:fillRef>
+      <a:effectRef idx="0">
+        <a:scrgbClr r="0" g="0" b="0"/>
+      </a:effectRef>
+      <a:fontRef idx="minor"/>
+    </dgm:style>
+  </dgm:styleLbl>
+  <dgm:styleLbl name="bgShp">
+    <dgm:scene3d>
+      <a:camera prst="orthographicFront"/>
+      <a:lightRig rig="threePt" dir="t"/>
+    </dgm:scene3d>
+    <dgm:sp3d/>
+    <dgm:txPr/>
+    <dgm:style>
+      <a:lnRef idx="0">
+        <a:scrgbClr r="0" g="0" b="0"/>
+      </a:lnRef>
+      <a:fillRef idx="1">
+        <a:scrgbClr r="0" g="0" b="0"/>
+      </a:fillRef>
+      <a:effectRef idx="0">
+        <a:scrgbClr r="0" g="0" b="0"/>
+      </a:effectRef>
+      <a:fontRef idx="minor"/>
+    </dgm:style>
+  </dgm:styleLbl>
+  <dgm:styleLbl name="dkBgShp">
+    <dgm:scene3d>
+      <a:camera prst="orthographicFront"/>
+      <a:lightRig rig="threePt" dir="t"/>
+    </dgm:scene3d>
+    <dgm:sp3d/>
+    <dgm:txPr/>
+    <dgm:style>
+      <a:lnRef idx="0">
+        <a:scrgbClr r="0" g="0" b="0"/>
+      </a:lnRef>
+      <a:fillRef idx="1">
+        <a:scrgbClr r="0" g="0" b="0"/>
+      </a:fillRef>
+      <a:effectRef idx="0">
+        <a:scrgbClr r="0" g="0" b="0"/>
+      </a:effectRef>
+      <a:fontRef idx="minor"/>
+    </dgm:style>
+  </dgm:styleLbl>
+  <dgm:styleLbl name="trBgShp">
+    <dgm:scene3d>
+      <a:camera prst="orthographicFront"/>
+      <a:lightRig rig="threePt" dir="t"/>
+    </dgm:scene3d>
+    <dgm:sp3d/>
+    <dgm:txPr/>
+    <dgm:style>
+      <a:lnRef idx="0">
+        <a:scrgbClr r="0" g="0" b="0"/>
+      </a:lnRef>
+      <a:fillRef idx="1">
+        <a:scrgbClr r="0" g="0" b="0"/>
+      </a:fillRef>
+      <a:effectRef idx="0">
+        <a:scrgbClr r="0" g="0" b="0"/>
+      </a:effectRef>
+      <a:fontRef idx="minor"/>
+    </dgm:style>
+  </dgm:styleLbl>
+  <dgm:styleLbl name="fgShp">
+    <dgm:scene3d>
+      <a:camera prst="orthographicFront"/>
+      <a:lightRig rig="threePt" dir="t"/>
+    </dgm:scene3d>
+    <dgm:sp3d/>
+    <dgm:txPr/>
+    <dgm:style>
+      <a:lnRef idx="2">
+        <a:scrgbClr r="0" g="0" b="0"/>
+      </a:lnRef>
+      <a:fillRef idx="1">
+        <a:scrgbClr r="0" g="0" b="0"/>
+      </a:fillRef>
+      <a:effectRef idx="0">
+        <a:scrgbClr r="0" g="0" b="0"/>
+      </a:effectRef>
+      <a:fontRef idx="minor"/>
+    </dgm:style>
+  </dgm:styleLbl>
+  <dgm:styleLbl name="revTx">
+    <dgm:scene3d>
+      <a:camera prst="orthographicFront"/>
+      <a:lightRig rig="threePt" dir="t"/>
+    </dgm:scene3d>
+    <dgm:sp3d/>
+    <dgm:txPr/>
+    <dgm:style>
+      <a:lnRef idx="0">
+        <a:scrgbClr r="0" g="0" b="0"/>
+      </a:lnRef>
+      <a:fillRef idx="0">
+        <a:scrgbClr r="0" g="0" b="0"/>
+      </a:fillRef>
+      <a:effectRef idx="0">
+        <a:scrgbClr r="0" g="0" b="0"/>
+      </a:effectRef>
+      <a:fontRef idx="minor"/>
+    </dgm:style>
+  </dgm:styleLbl>
+</dgm:styleDef>
+</file>
+
 <file path=ppt/diagrams/quickStyle2.xml><?xml version="1.0" encoding="utf-8"?>
 <dgm:styleDef xmlns:dgm="http://schemas.openxmlformats.org/drawingml/2006/diagram" xmlns:a="http://schemas.openxmlformats.org/drawingml/2006/main" uniqueId="urn:microsoft.com/office/officeart/2005/8/quickstyle/simple1">
   <dgm:title val=""/>
@@ -42221,7 +44587,7 @@
           <a:p>
             <a:fld id="{8CD97B82-2942-4A52-B976-0406CE6ADF79}" type="datetimeFigureOut">
               <a:rPr lang="de-DE" smtClean="0"/>
-              <a:t>07.11.2016</a:t>
+              <a:t>08.11.2016</a:t>
             </a:fld>
             <a:endParaRPr lang="de-DE"/>
           </a:p>
@@ -47895,22 +50261,13 @@
               </a:rPr>
             </a:br>
             <a:r>
-              <a:rPr lang="de-DE" sz="1625" dirty="0">
-                <a:solidFill>
-                  <a:srgbClr val="434E4F"/>
-                </a:solidFill>
-                <a:latin typeface="Calibri" panose="020F0502020204030204" pitchFamily="34" charset="0"/>
-              </a:rPr>
-              <a:t>R</a:t>
-            </a:r>
-            <a:r>
               <a:rPr lang="de-DE" sz="1625" b="1" dirty="0">
                 <a:solidFill>
                   <a:srgbClr val="434E4F"/>
                 </a:solidFill>
                 <a:latin typeface="Calibri" panose="020F0502020204030204" pitchFamily="34" charset="0"/>
               </a:rPr>
-              <a:t>obert Marz</a:t>
+              <a:t>Robert Marz</a:t>
             </a:r>
             <a:br>
               <a:rPr lang="de-DE" sz="1625" b="1" dirty="0">
@@ -48804,7 +51161,7 @@
           <a:p>
             <a:r>
               <a:rPr lang="de-DE" dirty="0"/>
-              <a:t>Das Konvertierte JSON abfragen</a:t>
+              <a:t>Das konvertierte JSON abfragen</a:t>
             </a:r>
           </a:p>
         </p:txBody>
@@ -49594,7 +51951,6 @@
               <a:rPr lang="de-DE" dirty="0"/>
               <a:t>CSV einlesen: Endergebnis</a:t>
             </a:r>
-            <a:endParaRPr lang="de-DE" dirty="0"/>
           </a:p>
         </p:txBody>
       </p:sp>
@@ -49676,7 +52032,6 @@
               <a:rPr lang="de-DE" dirty="0"/>
               <a:t>Performancebetrachtung</a:t>
             </a:r>
-            <a:endParaRPr lang="de-DE" dirty="0"/>
           </a:p>
         </p:txBody>
       </p:sp>
@@ -49840,13 +52195,8 @@
           <a:p>
             <a:r>
               <a:rPr lang="de-DE" dirty="0"/>
-              <a:t>Demo\12_</a:t>
+              <a:t>Demo\12__Blob_einlesen_mit_sqlcl.js</a:t>
             </a:r>
-            <a:r>
-              <a:rPr lang="de-DE" dirty="0"/>
-              <a:t>_Blob_einlesen_mit_sqlcl.js</a:t>
-            </a:r>
-            <a:endParaRPr lang="de-DE" dirty="0"/>
           </a:p>
         </p:txBody>
       </p:sp>
@@ -49887,15 +52237,10 @@
             <a:spLocks noGrp="1"/>
           </p:cNvSpPr>
           <p:nvPr>
-            <p:ph type="title" idx="4294967295"/>
+            <p:ph type="title"/>
           </p:nvPr>
         </p:nvSpPr>
-        <p:spPr>
-          <a:xfrm>
-            <a:off x="838200" y="365125"/>
-            <a:ext cx="10515600" cy="1325563"/>
-          </a:xfrm>
-        </p:spPr>
+        <p:spPr/>
         <p:txBody>
           <a:bodyPr/>
           <a:lstStyle/>
@@ -49914,7 +52259,7 @@
             <a:graphicFrameLocks noGrp="1"/>
           </p:cNvGraphicFramePr>
           <p:nvPr>
-            <p:ph idx="4294967295"/>
+            <p:ph idx="1"/>
             <p:extLst>
               <p:ext uri="{D42A27DB-BD31-4B8C-83A1-F6EECF244321}">
                 <p14:modId xmlns:p14="http://schemas.microsoft.com/office/powerpoint/2010/main" val="1788324482"/>
@@ -49923,8 +52268,8 @@
           </p:nvPr>
         </p:nvGraphicFramePr>
         <p:xfrm>
-          <a:off x="838200" y="1557338"/>
-          <a:ext cx="10515600" cy="4619625"/>
+          <a:off x="838200" y="1825625"/>
+          <a:ext cx="10515600" cy="4351338"/>
         </p:xfrm>
         <a:graphic>
           <a:graphicData uri="http://schemas.openxmlformats.org/drawingml/2006/diagram">
@@ -49932,35 +52277,6 @@
           </a:graphicData>
         </a:graphic>
       </p:graphicFrame>
-      <p:sp>
-        <p:nvSpPr>
-          <p:cNvPr id="5" name="Textfeld 4"/>
-          <p:cNvSpPr txBox="1"/>
-          <p:nvPr/>
-        </p:nvSpPr>
-        <p:spPr>
-          <a:xfrm>
-            <a:off x="11496600" y="6597352"/>
-            <a:ext cx="1008112" cy="230832"/>
-          </a:xfrm>
-          <a:prstGeom prst="rect">
-            <a:avLst/>
-          </a:prstGeom>
-          <a:noFill/>
-        </p:spPr>
-        <p:txBody>
-          <a:bodyPr wrap="square" rtlCol="0">
-            <a:spAutoFit/>
-          </a:bodyPr>
-          <a:lstStyle/>
-          <a:p>
-            <a:r>
-              <a:rPr lang="de-DE" sz="900" dirty="0"/>
-              <a:t>RM 6“</a:t>
-            </a:r>
-          </a:p>
-        </p:txBody>
-      </p:sp>
     </p:spTree>
     <p:extLst>
       <p:ext uri="{BB962C8B-B14F-4D97-AF65-F5344CB8AC3E}">
@@ -49975,6 +52291,106 @@
 </file>
 
 <file path=ppt/slides/slide25.xml><?xml version="1.0" encoding="utf-8"?>
+<p:sld xmlns:a="http://schemas.openxmlformats.org/drawingml/2006/main" xmlns:r="http://schemas.openxmlformats.org/officeDocument/2006/relationships" xmlns:p="http://schemas.openxmlformats.org/presentationml/2006/main">
+  <p:cSld>
+    <p:spTree>
+      <p:nvGrpSpPr>
+        <p:cNvPr id="1" name=""/>
+        <p:cNvGrpSpPr/>
+        <p:nvPr/>
+      </p:nvGrpSpPr>
+      <p:grpSpPr>
+        <a:xfrm>
+          <a:off x="0" y="0"/>
+          <a:ext cx="0" cy="0"/>
+          <a:chOff x="0" y="0"/>
+          <a:chExt cx="0" cy="0"/>
+        </a:xfrm>
+      </p:grpSpPr>
+      <p:graphicFrame>
+        <p:nvGraphicFramePr>
+          <p:cNvPr id="2" name="Diagramm 1"/>
+          <p:cNvGraphicFramePr/>
+          <p:nvPr>
+            <p:extLst>
+              <p:ext uri="{D42A27DB-BD31-4B8C-83A1-F6EECF244321}">
+                <p14:modId xmlns:p14="http://schemas.microsoft.com/office/powerpoint/2010/main" val="3620868701"/>
+              </p:ext>
+            </p:extLst>
+          </p:nvPr>
+        </p:nvGraphicFramePr>
+        <p:xfrm>
+          <a:off x="1234852" y="1988840"/>
+          <a:ext cx="10405764" cy="3816424"/>
+        </p:xfrm>
+        <a:graphic>
+          <a:graphicData uri="http://schemas.openxmlformats.org/drawingml/2006/diagram">
+            <dgm:relIds xmlns:dgm="http://schemas.openxmlformats.org/drawingml/2006/diagram" xmlns:r="http://schemas.openxmlformats.org/officeDocument/2006/relationships" r:dm="rId2" r:lo="rId3" r:qs="rId4" r:cs="rId5"/>
+          </a:graphicData>
+        </a:graphic>
+      </p:graphicFrame>
+      <p:sp>
+        <p:nvSpPr>
+          <p:cNvPr id="3" name="Titel 1"/>
+          <p:cNvSpPr txBox="1">
+            <a:spLocks/>
+          </p:cNvSpPr>
+          <p:nvPr/>
+        </p:nvSpPr>
+        <p:spPr>
+          <a:xfrm>
+            <a:off x="838200" y="365125"/>
+            <a:ext cx="10515600" cy="1325563"/>
+          </a:xfrm>
+          <a:prstGeom prst="rect">
+            <a:avLst/>
+          </a:prstGeom>
+        </p:spPr>
+        <p:txBody>
+          <a:bodyPr vert="horz" lIns="91440" tIns="45720" rIns="91440" bIns="45720" rtlCol="0" anchor="ctr">
+            <a:normAutofit/>
+          </a:bodyPr>
+          <a:lstStyle>
+            <a:lvl1pPr algn="l" defTabSz="914400" rtl="0" eaLnBrk="1" latinLnBrk="0" hangingPunct="1">
+              <a:lnSpc>
+                <a:spcPct val="90000"/>
+              </a:lnSpc>
+              <a:spcBef>
+                <a:spcPct val="0"/>
+              </a:spcBef>
+              <a:buNone/>
+              <a:defRPr sz="4400" kern="1200">
+                <a:solidFill>
+                  <a:schemeClr val="tx1"/>
+                </a:solidFill>
+                <a:latin typeface="+mj-lt"/>
+                <a:ea typeface="+mj-ea"/>
+                <a:cs typeface="+mj-cs"/>
+              </a:defRPr>
+            </a:lvl1pPr>
+          </a:lstStyle>
+          <a:p>
+            <a:r>
+              <a:rPr lang="de-DE" dirty="0"/>
+              <a:t>Ressourcen</a:t>
+            </a:r>
+          </a:p>
+        </p:txBody>
+      </p:sp>
+    </p:spTree>
+    <p:extLst>
+      <p:ext uri="{BB962C8B-B14F-4D97-AF65-F5344CB8AC3E}">
+        <p14:creationId xmlns:p14="http://schemas.microsoft.com/office/powerpoint/2010/main" val="1462289636"/>
+      </p:ext>
+    </p:extLst>
+  </p:cSld>
+  <p:clrMapOvr>
+    <a:masterClrMapping/>
+  </p:clrMapOvr>
+</p:sld>
+</file>
+
+<file path=ppt/slides/slide26.xml><?xml version="1.0" encoding="utf-8"?>
 <p:sld xmlns:a="http://schemas.openxmlformats.org/drawingml/2006/main" xmlns:r="http://schemas.openxmlformats.org/officeDocument/2006/relationships" xmlns:p="http://schemas.openxmlformats.org/presentationml/2006/main">
   <p:cSld>
     <p:spTree>
@@ -50023,13 +52439,13 @@
             <p:ph idx="1"/>
             <p:extLst>
               <p:ext uri="{D42A27DB-BD31-4B8C-83A1-F6EECF244321}">
-                <p14:modId xmlns:p14="http://schemas.microsoft.com/office/powerpoint/2010/main" val="1587025021"/>
+                <p14:modId xmlns:p14="http://schemas.microsoft.com/office/powerpoint/2010/main" val="3706743731"/>
               </p:ext>
             </p:extLst>
           </p:nvPr>
         </p:nvGraphicFramePr>
         <p:xfrm>
-          <a:off x="838200" y="365126"/>
+          <a:off x="838200" y="353466"/>
           <a:ext cx="11018440" cy="5811838"/>
         </p:xfrm>
         <a:graphic>
@@ -50051,7 +52467,7 @@
 </p:sld>
 </file>
 
-<file path=ppt/slides/slide26.xml><?xml version="1.0" encoding="utf-8"?>
+<file path=ppt/slides/slide27.xml><?xml version="1.0" encoding="utf-8"?>
 <p:sld xmlns:a="http://schemas.openxmlformats.org/drawingml/2006/main" xmlns:r="http://schemas.openxmlformats.org/officeDocument/2006/relationships" xmlns:p="http://schemas.openxmlformats.org/presentationml/2006/main">
   <p:cSld>
     <p:spTree>
@@ -51064,7 +53480,7 @@
         </p:blipFill>
         <p:spPr>
           <a:xfrm>
-            <a:off x="7458682" y="1916832"/>
+            <a:off x="7458682" y="2132856"/>
             <a:ext cx="4521722" cy="3816424"/>
           </a:xfrm>
           <a:prstGeom prst="rect">
